--- a/Documents/soutenance/soutenanceProjet3A.pptx
+++ b/Documents/soutenance/soutenanceProjet3A.pptx
@@ -1,22 +1,29 @@
 
 <file path=ppt/presentation.xml><?xml version="1.0" encoding="utf-8"?>
-<p:presentation xmlns:a="http://schemas.openxmlformats.org/drawingml/2006/main" xmlns:r="http://schemas.openxmlformats.org/officeDocument/2006/relationships" xmlns:p="http://schemas.openxmlformats.org/presentationml/2006/main" removePersonalInfoOnSave="1" saveSubsetFonts="1">
+<p:presentation xmlns:a="http://schemas.openxmlformats.org/drawingml/2006/main" xmlns:r="http://schemas.openxmlformats.org/officeDocument/2006/relationships" xmlns:p="http://schemas.openxmlformats.org/presentationml/2006/main" firstSlideNum="0" removePersonalInfoOnSave="1" saveSubsetFonts="1">
   <p:sldMasterIdLst>
     <p:sldMasterId id="2147483648" r:id="rId2"/>
   </p:sldMasterIdLst>
   <p:notesMasterIdLst>
-    <p:notesMasterId r:id="rId4"/>
+    <p:notesMasterId r:id="rId11"/>
   </p:notesMasterIdLst>
   <p:handoutMasterIdLst>
-    <p:handoutMasterId r:id="rId5"/>
+    <p:handoutMasterId r:id="rId12"/>
   </p:handoutMasterIdLst>
   <p:sldIdLst>
     <p:sldId id="265" r:id="rId3"/>
+    <p:sldId id="267" r:id="rId4"/>
+    <p:sldId id="273" r:id="rId5"/>
+    <p:sldId id="268" r:id="rId6"/>
+    <p:sldId id="272" r:id="rId7"/>
+    <p:sldId id="269" r:id="rId8"/>
+    <p:sldId id="270" r:id="rId9"/>
+    <p:sldId id="271" r:id="rId10"/>
   </p:sldIdLst>
   <p:sldSz cx="12188825" cy="6858000"/>
   <p:notesSz cx="6858000" cy="9144000"/>
   <p:custDataLst>
-    <p:tags r:id="rId7"/>
+    <p:tags r:id="rId14"/>
   </p:custDataLst>
   <p:defaultTextStyle>
     <a:defPPr>
@@ -806,7 +813,7 @@
           <a:p>
             <a:fld id="{F93199CD-3E1B-4AE6-990F-76F925F5EA9F}" type="slidenum">
               <a:rPr lang="fr-FR" smtClean="0"/>
-              <a:t>1</a:t>
+              <a:t>0</a:t>
             </a:fld>
             <a:endParaRPr lang="fr-FR"/>
           </a:p>
@@ -3879,7 +3886,7 @@
       </p:par>
     </p:tnLst>
   </p:timing>
-  <p:hf sldNum="0" hdr="0" ftr="0" dt="0"/>
+  <p:hf hdr="0" ftr="0" dt="0"/>
   <p:txStyles>
     <p:titleStyle>
       <a:lvl1pPr algn="l" defTabSz="914400" rtl="0" eaLnBrk="1" latinLnBrk="0" hangingPunct="1">
@@ -4399,6 +4406,1639 @@
       </p:par>
     </p:tnLst>
   </p:timing>
+</p:sld>
+</file>
+
+<file path=ppt/slides/slide2.xml><?xml version="1.0" encoding="utf-8"?>
+<p:sld xmlns:a="http://schemas.openxmlformats.org/drawingml/2006/main" xmlns:r="http://schemas.openxmlformats.org/officeDocument/2006/relationships" xmlns:p="http://schemas.openxmlformats.org/presentationml/2006/main">
+  <p:cSld>
+    <p:spTree>
+      <p:nvGrpSpPr>
+        <p:cNvPr id="1" name=""/>
+        <p:cNvGrpSpPr/>
+        <p:nvPr/>
+      </p:nvGrpSpPr>
+      <p:grpSpPr>
+        <a:xfrm>
+          <a:off x="0" y="0"/>
+          <a:ext cx="0" cy="0"/>
+          <a:chOff x="0" y="0"/>
+          <a:chExt cx="0" cy="0"/>
+        </a:xfrm>
+      </p:grpSpPr>
+      <p:sp>
+        <p:nvSpPr>
+          <p:cNvPr id="2" name="Titre 1"/>
+          <p:cNvSpPr>
+            <a:spLocks noGrp="1"/>
+          </p:cNvSpPr>
+          <p:nvPr>
+            <p:ph type="title"/>
+          </p:nvPr>
+        </p:nvSpPr>
+        <p:spPr>
+          <a:xfrm>
+            <a:off x="379412" y="381000"/>
+            <a:ext cx="11506199" cy="838200"/>
+          </a:xfrm>
+        </p:spPr>
+        <p:txBody>
+          <a:bodyPr/>
+          <a:lstStyle/>
+          <a:p>
+            <a:r>
+              <a:rPr lang="fr-FR" dirty="0"/>
+              <a:t>I- Étude bibliographique et définition du cadre du projet</a:t>
+            </a:r>
+          </a:p>
+        </p:txBody>
+      </p:sp>
+      <p:sp>
+        <p:nvSpPr>
+          <p:cNvPr id="3" name="Espace réservé du contenu 2"/>
+          <p:cNvSpPr>
+            <a:spLocks noGrp="1"/>
+          </p:cNvSpPr>
+          <p:nvPr>
+            <p:ph idx="1"/>
+          </p:nvPr>
+        </p:nvSpPr>
+        <p:spPr/>
+        <p:txBody>
+          <a:bodyPr/>
+          <a:lstStyle/>
+          <a:p>
+            <a:pPr>
+              <a:buFont typeface="Wingdings" charset="2"/>
+              <a:buChar char="Ø"/>
+            </a:pPr>
+            <a:r>
+              <a:rPr lang="fr-FR" dirty="0" smtClean="0"/>
+              <a:t>Recherche sur les différentes utilisations possibles des données de navigation Web</a:t>
+            </a:r>
+          </a:p>
+          <a:p>
+            <a:pPr>
+              <a:buFont typeface="Wingdings" charset="2"/>
+              <a:buChar char="Ø"/>
+            </a:pPr>
+            <a:r>
+              <a:rPr lang="fr-FR" dirty="0" smtClean="0"/>
+              <a:t>Papier de Eugene </a:t>
+            </a:r>
+            <a:r>
+              <a:rPr lang="fr-FR" dirty="0" err="1" smtClean="0"/>
+              <a:t>Agichtein</a:t>
+            </a:r>
+            <a:r>
+              <a:rPr lang="fr-FR" dirty="0" smtClean="0"/>
+              <a:t> – </a:t>
+            </a:r>
+            <a:r>
+              <a:rPr lang="fr-FR" dirty="0" err="1" smtClean="0"/>
+              <a:t>University</a:t>
+            </a:r>
+            <a:r>
+              <a:rPr lang="fr-FR" dirty="0" smtClean="0"/>
+              <a:t> of </a:t>
+            </a:r>
+            <a:r>
+              <a:rPr lang="fr-FR" dirty="0" err="1" smtClean="0"/>
+              <a:t>Emory</a:t>
+            </a:r>
+            <a:r>
+              <a:rPr lang="fr-FR" dirty="0" smtClean="0"/>
+              <a:t> : </a:t>
+            </a:r>
+          </a:p>
+          <a:p>
+            <a:pPr lvl="1">
+              <a:buFont typeface="Wingdings" charset="2"/>
+              <a:buChar char="Ø"/>
+            </a:pPr>
+            <a:r>
+              <a:rPr lang="fr-FR" dirty="0" err="1" smtClean="0"/>
+              <a:t>Mining</a:t>
+            </a:r>
+            <a:r>
+              <a:rPr lang="fr-FR" dirty="0" smtClean="0"/>
+              <a:t> online user </a:t>
+            </a:r>
+            <a:r>
+              <a:rPr lang="fr-FR" dirty="0" err="1" smtClean="0"/>
+              <a:t>behavior</a:t>
+            </a:r>
+            <a:r>
+              <a:rPr lang="fr-FR" dirty="0" smtClean="0"/>
+              <a:t> : </a:t>
+            </a:r>
+            <a:r>
+              <a:rPr lang="fr-FR" dirty="0" err="1" smtClean="0"/>
+              <a:t>from</a:t>
+            </a:r>
+            <a:r>
+              <a:rPr lang="fr-FR" dirty="0" smtClean="0"/>
+              <a:t> </a:t>
+            </a:r>
+            <a:r>
+              <a:rPr lang="fr-FR" dirty="0" err="1" smtClean="0"/>
+              <a:t>improving</a:t>
+            </a:r>
+            <a:r>
+              <a:rPr lang="fr-FR" dirty="0" smtClean="0"/>
+              <a:t> </a:t>
+            </a:r>
+            <a:r>
+              <a:rPr lang="fr-FR" dirty="0" err="1" smtClean="0"/>
+              <a:t>search</a:t>
+            </a:r>
+            <a:r>
+              <a:rPr lang="fr-FR" dirty="0" smtClean="0"/>
+              <a:t> to </a:t>
+            </a:r>
+            <a:r>
+              <a:rPr lang="fr-FR" dirty="0" err="1" smtClean="0"/>
+              <a:t>detecting</a:t>
+            </a:r>
+            <a:r>
+              <a:rPr lang="fr-FR" dirty="0" smtClean="0"/>
+              <a:t> cognitive </a:t>
+            </a:r>
+            <a:r>
+              <a:rPr lang="fr-FR" dirty="0" err="1" smtClean="0"/>
+              <a:t>impairment</a:t>
+            </a:r>
+            <a:endParaRPr lang="fr-FR" dirty="0" smtClean="0"/>
+          </a:p>
+          <a:p>
+            <a:pPr>
+              <a:buFont typeface="Wingdings" charset="2"/>
+              <a:buChar char="Ø"/>
+            </a:pPr>
+            <a:r>
+              <a:rPr lang="fr-FR" dirty="0" smtClean="0"/>
+              <a:t>Essayer de détecter un(des) comportement(s) atypique</a:t>
+            </a:r>
+            <a:r>
+              <a:rPr lang="fr-FR" dirty="0"/>
+              <a:t>(s)</a:t>
+            </a:r>
+            <a:r>
+              <a:rPr lang="fr-FR" dirty="0" smtClean="0"/>
+              <a:t> à partir d’historiques de navigation</a:t>
+            </a:r>
+          </a:p>
+          <a:p>
+            <a:pPr>
+              <a:buFont typeface="Wingdings" charset="2"/>
+              <a:buChar char="Ø"/>
+            </a:pPr>
+            <a:r>
+              <a:rPr lang="fr-FR" dirty="0" smtClean="0"/>
+              <a:t>Parallèle avec la génétique et la détection de mutations persistantes</a:t>
+            </a:r>
+          </a:p>
+          <a:p>
+            <a:pPr lvl="1"/>
+            <a:endParaRPr lang="fr-FR" dirty="0"/>
+          </a:p>
+        </p:txBody>
+      </p:sp>
+      <p:pic>
+        <p:nvPicPr>
+          <p:cNvPr id="4" name="Image 3" descr="logominesnancy_transp.png"/>
+          <p:cNvPicPr>
+            <a:picLocks noChangeAspect="1"/>
+          </p:cNvPicPr>
+          <p:nvPr/>
+        </p:nvPicPr>
+        <p:blipFill>
+          <a:blip r:embed="rId2">
+            <a:extLst>
+              <a:ext uri="{28A0092B-C50C-407E-A947-70E740481C1C}">
+                <a14:useLocalDpi xmlns:a14="http://schemas.microsoft.com/office/drawing/2010/main" val="0"/>
+              </a:ext>
+            </a:extLst>
+          </a:blip>
+          <a:stretch>
+            <a:fillRect/>
+          </a:stretch>
+        </p:blipFill>
+        <p:spPr>
+          <a:xfrm>
+            <a:off x="-153988" y="5562600"/>
+            <a:ext cx="2183674" cy="1295400"/>
+          </a:xfrm>
+          <a:prstGeom prst="rect">
+            <a:avLst/>
+          </a:prstGeom>
+        </p:spPr>
+      </p:pic>
+      <p:sp>
+        <p:nvSpPr>
+          <p:cNvPr id="5" name="ZoneTexte 4"/>
+          <p:cNvSpPr txBox="1"/>
+          <p:nvPr/>
+        </p:nvSpPr>
+        <p:spPr>
+          <a:xfrm>
+            <a:off x="4037012" y="6324600"/>
+            <a:ext cx="4267200" cy="346249"/>
+          </a:xfrm>
+          <a:prstGeom prst="rect">
+            <a:avLst/>
+          </a:prstGeom>
+          <a:noFill/>
+        </p:spPr>
+        <p:txBody>
+          <a:bodyPr wrap="square" rtlCol="0">
+            <a:spAutoFit/>
+          </a:bodyPr>
+          <a:lstStyle/>
+          <a:p>
+            <a:pPr algn="ctr">
+              <a:lnSpc>
+                <a:spcPct val="90000"/>
+              </a:lnSpc>
+            </a:pPr>
+            <a:r>
+              <a:rPr lang="fr-FR" dirty="0" smtClean="0"/>
+              <a:t>Soutenance projet 3A – </a:t>
+            </a:r>
+            <a:r>
+              <a:rPr lang="fr-FR" dirty="0" err="1" smtClean="0"/>
+              <a:t>Lauwérière</a:t>
+            </a:r>
+            <a:r>
+              <a:rPr lang="fr-FR" dirty="0" smtClean="0"/>
+              <a:t> Fabrice</a:t>
+            </a:r>
+            <a:endParaRPr lang="fr-FR" dirty="0"/>
+          </a:p>
+        </p:txBody>
+      </p:sp>
+      <p:sp>
+        <p:nvSpPr>
+          <p:cNvPr id="6" name="Espace réservé du numéro de diapositive 5"/>
+          <p:cNvSpPr>
+            <a:spLocks noGrp="1"/>
+          </p:cNvSpPr>
+          <p:nvPr>
+            <p:ph type="sldNum" sz="quarter" idx="12"/>
+          </p:nvPr>
+        </p:nvSpPr>
+        <p:spPr/>
+        <p:txBody>
+          <a:bodyPr/>
+          <a:lstStyle/>
+          <a:p>
+            <a:fld id="{2A013F82-EE5E-44EE-A61D-E31C6657F26F}" type="slidenum">
+              <a:rPr lang="fr-FR" smtClean="0"/>
+              <a:t>1</a:t>
+            </a:fld>
+            <a:endParaRPr lang="fr-FR"/>
+          </a:p>
+        </p:txBody>
+      </p:sp>
+    </p:spTree>
+    <p:extLst>
+      <p:ext uri="{BB962C8B-B14F-4D97-AF65-F5344CB8AC3E}">
+        <p14:creationId xmlns:p14="http://schemas.microsoft.com/office/powerpoint/2010/main" val="3143375929"/>
+      </p:ext>
+    </p:extLst>
+  </p:cSld>
+  <p:clrMapOvr>
+    <a:masterClrMapping/>
+  </p:clrMapOvr>
+  <mc:AlternateContent xmlns:mc="http://schemas.openxmlformats.org/markup-compatibility/2006" xmlns:p14="http://schemas.microsoft.com/office/powerpoint/2010/main">
+    <mc:Choice Requires="p14">
+      <p:transition spd="med" p14:dur="700">
+        <p:fade/>
+      </p:transition>
+    </mc:Choice>
+    <mc:Fallback xmlns="">
+      <p:transition spd="med">
+        <p:fade/>
+      </p:transition>
+    </mc:Fallback>
+  </mc:AlternateContent>
+</p:sld>
+</file>
+
+<file path=ppt/slides/slide3.xml><?xml version="1.0" encoding="utf-8"?>
+<p:sld xmlns:a="http://schemas.openxmlformats.org/drawingml/2006/main" xmlns:r="http://schemas.openxmlformats.org/officeDocument/2006/relationships" xmlns:p="http://schemas.openxmlformats.org/presentationml/2006/main">
+  <p:cSld>
+    <p:spTree>
+      <p:nvGrpSpPr>
+        <p:cNvPr id="1" name=""/>
+        <p:cNvGrpSpPr/>
+        <p:nvPr/>
+      </p:nvGrpSpPr>
+      <p:grpSpPr>
+        <a:xfrm>
+          <a:off x="0" y="0"/>
+          <a:ext cx="0" cy="0"/>
+          <a:chOff x="0" y="0"/>
+          <a:chExt cx="0" cy="0"/>
+        </a:xfrm>
+      </p:grpSpPr>
+      <p:sp>
+        <p:nvSpPr>
+          <p:cNvPr id="2" name="Titre 1"/>
+          <p:cNvSpPr>
+            <a:spLocks noGrp="1"/>
+          </p:cNvSpPr>
+          <p:nvPr>
+            <p:ph type="title"/>
+          </p:nvPr>
+        </p:nvSpPr>
+        <p:spPr>
+          <a:xfrm>
+            <a:off x="379412" y="381000"/>
+            <a:ext cx="11506199" cy="838200"/>
+          </a:xfrm>
+        </p:spPr>
+        <p:txBody>
+          <a:bodyPr/>
+          <a:lstStyle/>
+          <a:p>
+            <a:r>
+              <a:rPr lang="fr-FR" dirty="0"/>
+              <a:t>I- </a:t>
+            </a:r>
+            <a:r>
+              <a:rPr lang="fr-FR" dirty="0" smtClean="0"/>
+              <a:t>Transposition de l’</a:t>
+            </a:r>
+            <a:r>
+              <a:rPr lang="fr-FR" dirty="0" err="1" smtClean="0"/>
+              <a:t>algo</a:t>
+            </a:r>
+            <a:endParaRPr lang="fr-FR" dirty="0"/>
+          </a:p>
+        </p:txBody>
+      </p:sp>
+      <p:sp>
+        <p:nvSpPr>
+          <p:cNvPr id="3" name="Espace réservé du contenu 2"/>
+          <p:cNvSpPr>
+            <a:spLocks noGrp="1"/>
+          </p:cNvSpPr>
+          <p:nvPr>
+            <p:ph idx="1"/>
+          </p:nvPr>
+        </p:nvSpPr>
+        <p:spPr/>
+        <p:txBody>
+          <a:bodyPr/>
+          <a:lstStyle/>
+          <a:p>
+            <a:pPr lvl="1"/>
+            <a:endParaRPr lang="fr-FR" dirty="0"/>
+          </a:p>
+        </p:txBody>
+      </p:sp>
+      <p:pic>
+        <p:nvPicPr>
+          <p:cNvPr id="4" name="Image 3" descr="logominesnancy_transp.png"/>
+          <p:cNvPicPr>
+            <a:picLocks noChangeAspect="1"/>
+          </p:cNvPicPr>
+          <p:nvPr/>
+        </p:nvPicPr>
+        <p:blipFill>
+          <a:blip r:embed="rId2">
+            <a:extLst>
+              <a:ext uri="{28A0092B-C50C-407E-A947-70E740481C1C}">
+                <a14:useLocalDpi xmlns:a14="http://schemas.microsoft.com/office/drawing/2010/main" val="0"/>
+              </a:ext>
+            </a:extLst>
+          </a:blip>
+          <a:stretch>
+            <a:fillRect/>
+          </a:stretch>
+        </p:blipFill>
+        <p:spPr>
+          <a:xfrm>
+            <a:off x="-153988" y="5562600"/>
+            <a:ext cx="2183674" cy="1295400"/>
+          </a:xfrm>
+          <a:prstGeom prst="rect">
+            <a:avLst/>
+          </a:prstGeom>
+        </p:spPr>
+      </p:pic>
+      <p:sp>
+        <p:nvSpPr>
+          <p:cNvPr id="5" name="ZoneTexte 4"/>
+          <p:cNvSpPr txBox="1"/>
+          <p:nvPr/>
+        </p:nvSpPr>
+        <p:spPr>
+          <a:xfrm>
+            <a:off x="4037012" y="6324600"/>
+            <a:ext cx="4267200" cy="346249"/>
+          </a:xfrm>
+          <a:prstGeom prst="rect">
+            <a:avLst/>
+          </a:prstGeom>
+          <a:noFill/>
+        </p:spPr>
+        <p:txBody>
+          <a:bodyPr wrap="square" rtlCol="0">
+            <a:spAutoFit/>
+          </a:bodyPr>
+          <a:lstStyle/>
+          <a:p>
+            <a:pPr algn="ctr">
+              <a:lnSpc>
+                <a:spcPct val="90000"/>
+              </a:lnSpc>
+            </a:pPr>
+            <a:r>
+              <a:rPr lang="fr-FR" dirty="0" smtClean="0"/>
+              <a:t>Soutenance projet 3A – </a:t>
+            </a:r>
+            <a:r>
+              <a:rPr lang="fr-FR" dirty="0" err="1" smtClean="0"/>
+              <a:t>Lauwérière</a:t>
+            </a:r>
+            <a:r>
+              <a:rPr lang="fr-FR" dirty="0" smtClean="0"/>
+              <a:t> Fabrice</a:t>
+            </a:r>
+            <a:endParaRPr lang="fr-FR" dirty="0"/>
+          </a:p>
+        </p:txBody>
+      </p:sp>
+      <p:sp>
+        <p:nvSpPr>
+          <p:cNvPr id="6" name="Espace réservé du numéro de diapositive 5"/>
+          <p:cNvSpPr>
+            <a:spLocks noGrp="1"/>
+          </p:cNvSpPr>
+          <p:nvPr>
+            <p:ph type="sldNum" sz="quarter" idx="12"/>
+          </p:nvPr>
+        </p:nvSpPr>
+        <p:spPr/>
+        <p:txBody>
+          <a:bodyPr/>
+          <a:lstStyle/>
+          <a:p>
+            <a:fld id="{2A013F82-EE5E-44EE-A61D-E31C6657F26F}" type="slidenum">
+              <a:rPr lang="fr-FR" smtClean="0"/>
+              <a:t>2</a:t>
+            </a:fld>
+            <a:endParaRPr lang="fr-FR"/>
+          </a:p>
+        </p:txBody>
+      </p:sp>
+    </p:spTree>
+    <p:extLst>
+      <p:ext uri="{BB962C8B-B14F-4D97-AF65-F5344CB8AC3E}">
+        <p14:creationId xmlns:p14="http://schemas.microsoft.com/office/powerpoint/2010/main" val="1819537306"/>
+      </p:ext>
+    </p:extLst>
+  </p:cSld>
+  <p:clrMapOvr>
+    <a:masterClrMapping/>
+  </p:clrMapOvr>
+  <mc:AlternateContent xmlns:mc="http://schemas.openxmlformats.org/markup-compatibility/2006" xmlns:p14="http://schemas.microsoft.com/office/powerpoint/2010/main">
+    <mc:Choice Requires="p14">
+      <p:transition spd="med" p14:dur="700">
+        <p:fade/>
+      </p:transition>
+    </mc:Choice>
+    <mc:Fallback xmlns="">
+      <p:transition spd="med">
+        <p:fade/>
+      </p:transition>
+    </mc:Fallback>
+  </mc:AlternateContent>
+</p:sld>
+</file>
+
+<file path=ppt/slides/slide4.xml><?xml version="1.0" encoding="utf-8"?>
+<p:sld xmlns:a="http://schemas.openxmlformats.org/drawingml/2006/main" xmlns:r="http://schemas.openxmlformats.org/officeDocument/2006/relationships" xmlns:p="http://schemas.openxmlformats.org/presentationml/2006/main">
+  <p:cSld>
+    <p:spTree>
+      <p:nvGrpSpPr>
+        <p:cNvPr id="1" name=""/>
+        <p:cNvGrpSpPr/>
+        <p:nvPr/>
+      </p:nvGrpSpPr>
+      <p:grpSpPr>
+        <a:xfrm>
+          <a:off x="0" y="0"/>
+          <a:ext cx="0" cy="0"/>
+          <a:chOff x="0" y="0"/>
+          <a:chExt cx="0" cy="0"/>
+        </a:xfrm>
+      </p:grpSpPr>
+      <p:sp>
+        <p:nvSpPr>
+          <p:cNvPr id="2" name="Titre 1"/>
+          <p:cNvSpPr>
+            <a:spLocks noGrp="1"/>
+          </p:cNvSpPr>
+          <p:nvPr>
+            <p:ph type="title"/>
+          </p:nvPr>
+        </p:nvSpPr>
+        <p:spPr>
+          <a:xfrm>
+            <a:off x="379412" y="381000"/>
+            <a:ext cx="11506199" cy="838200"/>
+          </a:xfrm>
+        </p:spPr>
+        <p:txBody>
+          <a:bodyPr/>
+          <a:lstStyle/>
+          <a:p>
+            <a:r>
+              <a:rPr lang="fr-FR" dirty="0" smtClean="0"/>
+              <a:t>II- Création de la ressource de travail, les historiques</a:t>
+            </a:r>
+            <a:endParaRPr lang="fr-FR" dirty="0"/>
+          </a:p>
+        </p:txBody>
+      </p:sp>
+      <p:sp>
+        <p:nvSpPr>
+          <p:cNvPr id="3" name="Espace réservé du contenu 2"/>
+          <p:cNvSpPr>
+            <a:spLocks noGrp="1"/>
+          </p:cNvSpPr>
+          <p:nvPr>
+            <p:ph idx="1"/>
+          </p:nvPr>
+        </p:nvSpPr>
+        <p:spPr>
+          <a:xfrm>
+            <a:off x="1522413" y="1904999"/>
+            <a:ext cx="9296399" cy="4114801"/>
+          </a:xfrm>
+        </p:spPr>
+        <p:txBody>
+          <a:bodyPr/>
+          <a:lstStyle/>
+          <a:p>
+            <a:pPr>
+              <a:buFont typeface="Wingdings" charset="2"/>
+              <a:buChar char="Ø"/>
+            </a:pPr>
+            <a:r>
+              <a:rPr lang="fr-FR" dirty="0" smtClean="0"/>
+              <a:t>Contrainte : doit </a:t>
+            </a:r>
+            <a:r>
+              <a:rPr lang="fr-FR" dirty="0" smtClean="0"/>
+              <a:t>être le plus proche possible d’un historique de navigation d’un vraie personne</a:t>
+            </a:r>
+          </a:p>
+          <a:p>
+            <a:pPr>
+              <a:buFont typeface="Wingdings" charset="2"/>
+              <a:buChar char="Ø"/>
+            </a:pPr>
+            <a:r>
+              <a:rPr lang="fr-FR" dirty="0" smtClean="0"/>
+              <a:t>Problème : impossible d’en récupérer suffisamment (sondage, virus…)</a:t>
+            </a:r>
+          </a:p>
+          <a:p>
+            <a:pPr>
+              <a:buFont typeface="Wingdings" charset="2"/>
+              <a:buChar char="Ø"/>
+            </a:pPr>
+            <a:r>
+              <a:rPr lang="fr-FR" dirty="0" smtClean="0"/>
+              <a:t>Solution : les générer</a:t>
+            </a:r>
+          </a:p>
+          <a:p>
+            <a:pPr>
+              <a:buFont typeface="Wingdings" charset="2"/>
+              <a:buChar char="Ø"/>
+            </a:pPr>
+            <a:r>
+              <a:rPr lang="fr-FR" dirty="0" smtClean="0"/>
+              <a:t>1</a:t>
+            </a:r>
+            <a:r>
+              <a:rPr lang="fr-FR" baseline="30000" dirty="0" smtClean="0"/>
+              <a:t>ère</a:t>
+            </a:r>
+            <a:r>
+              <a:rPr lang="fr-FR" dirty="0" smtClean="0"/>
+              <a:t> phase : récupération de données </a:t>
+            </a:r>
+            <a:r>
+              <a:rPr lang="fr-FR" dirty="0" smtClean="0">
+                <a:sym typeface="Wingdings"/>
+              </a:rPr>
+              <a:t> bot faisant des requêtes vers </a:t>
+            </a:r>
+            <a:r>
+              <a:rPr lang="fr-FR" sz="2000" i="1" dirty="0" smtClean="0">
+                <a:sym typeface="Wingdings"/>
+              </a:rPr>
+              <a:t>http://</a:t>
+            </a:r>
+            <a:r>
+              <a:rPr lang="fr-FR" sz="2000" i="1" dirty="0" err="1" smtClean="0">
+                <a:sym typeface="Wingdings"/>
+              </a:rPr>
+              <a:t>alexa</a:t>
+            </a:r>
+            <a:r>
+              <a:rPr lang="fr-FR" sz="2000" i="1" dirty="0" smtClean="0">
+                <a:sym typeface="Wingdings"/>
+              </a:rPr>
+              <a:t> .</a:t>
+            </a:r>
+            <a:r>
+              <a:rPr lang="fr-FR" sz="2000" i="1" dirty="0" err="1" smtClean="0">
+                <a:sym typeface="Wingdings"/>
+              </a:rPr>
+              <a:t>com</a:t>
+            </a:r>
+            <a:r>
+              <a:rPr lang="fr-FR" sz="2000" i="1" dirty="0" smtClean="0">
+                <a:sym typeface="Wingdings"/>
+              </a:rPr>
+              <a:t> (site informatif sur les pages web du net)  Stockage en XML</a:t>
+            </a:r>
+          </a:p>
+          <a:p>
+            <a:pPr>
+              <a:buFont typeface="Wingdings" charset="2"/>
+              <a:buChar char="Ø"/>
+            </a:pPr>
+            <a:r>
+              <a:rPr lang="fr-FR" dirty="0" smtClean="0">
+                <a:sym typeface="Wingdings"/>
+              </a:rPr>
+              <a:t>2</a:t>
+            </a:r>
+            <a:r>
+              <a:rPr lang="fr-FR" baseline="30000" dirty="0" smtClean="0">
+                <a:sym typeface="Wingdings"/>
+              </a:rPr>
+              <a:t>nd</a:t>
+            </a:r>
+            <a:r>
+              <a:rPr lang="fr-FR" dirty="0" smtClean="0">
+                <a:sym typeface="Wingdings"/>
+              </a:rPr>
+              <a:t> phase : choix d’un nombre d’individus et d’un nombre de racines puis création de branche de navigation (utilisation des parents)</a:t>
+            </a:r>
+          </a:p>
+          <a:p>
+            <a:pPr marL="0" indent="0">
+              <a:buNone/>
+            </a:pPr>
+            <a:endParaRPr lang="fr-FR" dirty="0"/>
+          </a:p>
+        </p:txBody>
+      </p:sp>
+      <p:pic>
+        <p:nvPicPr>
+          <p:cNvPr id="4" name="Image 3" descr="logominesnancy_transp.png"/>
+          <p:cNvPicPr>
+            <a:picLocks noChangeAspect="1"/>
+          </p:cNvPicPr>
+          <p:nvPr/>
+        </p:nvPicPr>
+        <p:blipFill>
+          <a:blip r:embed="rId2">
+            <a:extLst>
+              <a:ext uri="{28A0092B-C50C-407E-A947-70E740481C1C}">
+                <a14:useLocalDpi xmlns:a14="http://schemas.microsoft.com/office/drawing/2010/main" val="0"/>
+              </a:ext>
+            </a:extLst>
+          </a:blip>
+          <a:stretch>
+            <a:fillRect/>
+          </a:stretch>
+        </p:blipFill>
+        <p:spPr>
+          <a:xfrm>
+            <a:off x="-153988" y="5562600"/>
+            <a:ext cx="2183674" cy="1295400"/>
+          </a:xfrm>
+          <a:prstGeom prst="rect">
+            <a:avLst/>
+          </a:prstGeom>
+        </p:spPr>
+      </p:pic>
+      <p:sp>
+        <p:nvSpPr>
+          <p:cNvPr id="5" name="ZoneTexte 4"/>
+          <p:cNvSpPr txBox="1"/>
+          <p:nvPr/>
+        </p:nvSpPr>
+        <p:spPr>
+          <a:xfrm>
+            <a:off x="4037012" y="6324600"/>
+            <a:ext cx="4267200" cy="346249"/>
+          </a:xfrm>
+          <a:prstGeom prst="rect">
+            <a:avLst/>
+          </a:prstGeom>
+          <a:noFill/>
+        </p:spPr>
+        <p:txBody>
+          <a:bodyPr wrap="square" rtlCol="0">
+            <a:spAutoFit/>
+          </a:bodyPr>
+          <a:lstStyle/>
+          <a:p>
+            <a:pPr algn="ctr">
+              <a:lnSpc>
+                <a:spcPct val="90000"/>
+              </a:lnSpc>
+            </a:pPr>
+            <a:r>
+              <a:rPr lang="fr-FR" dirty="0" smtClean="0"/>
+              <a:t>Soutenance projet 3A – </a:t>
+            </a:r>
+            <a:r>
+              <a:rPr lang="fr-FR" dirty="0" err="1" smtClean="0"/>
+              <a:t>Lauwérière</a:t>
+            </a:r>
+            <a:r>
+              <a:rPr lang="fr-FR" dirty="0" smtClean="0"/>
+              <a:t> Fabrice</a:t>
+            </a:r>
+            <a:endParaRPr lang="fr-FR" dirty="0"/>
+          </a:p>
+        </p:txBody>
+      </p:sp>
+      <p:sp>
+        <p:nvSpPr>
+          <p:cNvPr id="6" name="Espace réservé du numéro de diapositive 5"/>
+          <p:cNvSpPr>
+            <a:spLocks noGrp="1"/>
+          </p:cNvSpPr>
+          <p:nvPr>
+            <p:ph type="sldNum" sz="quarter" idx="12"/>
+          </p:nvPr>
+        </p:nvSpPr>
+        <p:spPr/>
+        <p:txBody>
+          <a:bodyPr/>
+          <a:lstStyle/>
+          <a:p>
+            <a:fld id="{2A013F82-EE5E-44EE-A61D-E31C6657F26F}" type="slidenum">
+              <a:rPr lang="fr-FR" smtClean="0"/>
+              <a:t>3</a:t>
+            </a:fld>
+            <a:endParaRPr lang="fr-FR"/>
+          </a:p>
+        </p:txBody>
+      </p:sp>
+    </p:spTree>
+    <p:extLst>
+      <p:ext uri="{BB962C8B-B14F-4D97-AF65-F5344CB8AC3E}">
+        <p14:creationId xmlns:p14="http://schemas.microsoft.com/office/powerpoint/2010/main" val="168483983"/>
+      </p:ext>
+    </p:extLst>
+  </p:cSld>
+  <p:clrMapOvr>
+    <a:masterClrMapping/>
+  </p:clrMapOvr>
+  <mc:AlternateContent xmlns:mc="http://schemas.openxmlformats.org/markup-compatibility/2006" xmlns:p14="http://schemas.microsoft.com/office/powerpoint/2010/main">
+    <mc:Choice Requires="p14">
+      <p:transition spd="med" p14:dur="700">
+        <p:fade/>
+      </p:transition>
+    </mc:Choice>
+    <mc:Fallback xmlns="">
+      <p:transition spd="med">
+        <p:fade/>
+      </p:transition>
+    </mc:Fallback>
+  </mc:AlternateContent>
+</p:sld>
+</file>
+
+<file path=ppt/slides/slide5.xml><?xml version="1.0" encoding="utf-8"?>
+<p:sld xmlns:a="http://schemas.openxmlformats.org/drawingml/2006/main" xmlns:r="http://schemas.openxmlformats.org/officeDocument/2006/relationships" xmlns:p="http://schemas.openxmlformats.org/presentationml/2006/main">
+  <p:cSld>
+    <p:spTree>
+      <p:nvGrpSpPr>
+        <p:cNvPr id="1" name=""/>
+        <p:cNvGrpSpPr/>
+        <p:nvPr/>
+      </p:nvGrpSpPr>
+      <p:grpSpPr>
+        <a:xfrm>
+          <a:off x="0" y="0"/>
+          <a:ext cx="0" cy="0"/>
+          <a:chOff x="0" y="0"/>
+          <a:chExt cx="0" cy="0"/>
+        </a:xfrm>
+      </p:grpSpPr>
+      <p:sp>
+        <p:nvSpPr>
+          <p:cNvPr id="2" name="Titre 1"/>
+          <p:cNvSpPr>
+            <a:spLocks noGrp="1"/>
+          </p:cNvSpPr>
+          <p:nvPr>
+            <p:ph type="title"/>
+          </p:nvPr>
+        </p:nvSpPr>
+        <p:spPr>
+          <a:xfrm>
+            <a:off x="379412" y="381000"/>
+            <a:ext cx="11506199" cy="838200"/>
+          </a:xfrm>
+        </p:spPr>
+        <p:txBody>
+          <a:bodyPr/>
+          <a:lstStyle/>
+          <a:p>
+            <a:r>
+              <a:rPr lang="fr-FR" dirty="0" smtClean="0"/>
+              <a:t>La création des branches de navigation</a:t>
+            </a:r>
+            <a:endParaRPr lang="fr-FR" dirty="0"/>
+          </a:p>
+        </p:txBody>
+      </p:sp>
+      <p:sp>
+        <p:nvSpPr>
+          <p:cNvPr id="3" name="Espace réservé du contenu 2"/>
+          <p:cNvSpPr>
+            <a:spLocks noGrp="1"/>
+          </p:cNvSpPr>
+          <p:nvPr>
+            <p:ph idx="1"/>
+          </p:nvPr>
+        </p:nvSpPr>
+        <p:spPr>
+          <a:xfrm>
+            <a:off x="1522413" y="1904999"/>
+            <a:ext cx="9296399" cy="4114801"/>
+          </a:xfrm>
+        </p:spPr>
+        <p:txBody>
+          <a:bodyPr/>
+          <a:lstStyle/>
+          <a:p>
+            <a:pPr>
+              <a:buFont typeface="Wingdings" charset="2"/>
+              <a:buChar char="Ø"/>
+            </a:pPr>
+            <a:r>
+              <a:rPr lang="fr-FR" dirty="0" smtClean="0"/>
+              <a:t>(schéma avec les pourcentage de choix et de sauvetage)</a:t>
+            </a:r>
+            <a:endParaRPr lang="fr-FR" dirty="0" smtClean="0">
+              <a:sym typeface="Wingdings"/>
+            </a:endParaRPr>
+          </a:p>
+          <a:p>
+            <a:pPr marL="0" indent="0">
+              <a:buNone/>
+            </a:pPr>
+            <a:endParaRPr lang="fr-FR" dirty="0"/>
+          </a:p>
+        </p:txBody>
+      </p:sp>
+      <p:pic>
+        <p:nvPicPr>
+          <p:cNvPr id="4" name="Image 3" descr="logominesnancy_transp.png"/>
+          <p:cNvPicPr>
+            <a:picLocks noChangeAspect="1"/>
+          </p:cNvPicPr>
+          <p:nvPr/>
+        </p:nvPicPr>
+        <p:blipFill>
+          <a:blip r:embed="rId2">
+            <a:extLst>
+              <a:ext uri="{28A0092B-C50C-407E-A947-70E740481C1C}">
+                <a14:useLocalDpi xmlns:a14="http://schemas.microsoft.com/office/drawing/2010/main" val="0"/>
+              </a:ext>
+            </a:extLst>
+          </a:blip>
+          <a:stretch>
+            <a:fillRect/>
+          </a:stretch>
+        </p:blipFill>
+        <p:spPr>
+          <a:xfrm>
+            <a:off x="-153988" y="5562600"/>
+            <a:ext cx="2183674" cy="1295400"/>
+          </a:xfrm>
+          <a:prstGeom prst="rect">
+            <a:avLst/>
+          </a:prstGeom>
+        </p:spPr>
+      </p:pic>
+      <p:sp>
+        <p:nvSpPr>
+          <p:cNvPr id="5" name="ZoneTexte 4"/>
+          <p:cNvSpPr txBox="1"/>
+          <p:nvPr/>
+        </p:nvSpPr>
+        <p:spPr>
+          <a:xfrm>
+            <a:off x="4037012" y="6324600"/>
+            <a:ext cx="4267200" cy="346249"/>
+          </a:xfrm>
+          <a:prstGeom prst="rect">
+            <a:avLst/>
+          </a:prstGeom>
+          <a:noFill/>
+        </p:spPr>
+        <p:txBody>
+          <a:bodyPr wrap="square" rtlCol="0">
+            <a:spAutoFit/>
+          </a:bodyPr>
+          <a:lstStyle/>
+          <a:p>
+            <a:pPr algn="ctr">
+              <a:lnSpc>
+                <a:spcPct val="90000"/>
+              </a:lnSpc>
+            </a:pPr>
+            <a:r>
+              <a:rPr lang="fr-FR" dirty="0" smtClean="0"/>
+              <a:t>Soutenance projet 3A – </a:t>
+            </a:r>
+            <a:r>
+              <a:rPr lang="fr-FR" dirty="0" err="1" smtClean="0"/>
+              <a:t>Lauwérière</a:t>
+            </a:r>
+            <a:r>
+              <a:rPr lang="fr-FR" dirty="0" smtClean="0"/>
+              <a:t> Fabrice</a:t>
+            </a:r>
+            <a:endParaRPr lang="fr-FR" dirty="0"/>
+          </a:p>
+        </p:txBody>
+      </p:sp>
+      <p:sp>
+        <p:nvSpPr>
+          <p:cNvPr id="6" name="Espace réservé du numéro de diapositive 5"/>
+          <p:cNvSpPr>
+            <a:spLocks noGrp="1"/>
+          </p:cNvSpPr>
+          <p:nvPr>
+            <p:ph type="sldNum" sz="quarter" idx="12"/>
+          </p:nvPr>
+        </p:nvSpPr>
+        <p:spPr/>
+        <p:txBody>
+          <a:bodyPr/>
+          <a:lstStyle/>
+          <a:p>
+            <a:fld id="{2A013F82-EE5E-44EE-A61D-E31C6657F26F}" type="slidenum">
+              <a:rPr lang="fr-FR" smtClean="0"/>
+              <a:t>4</a:t>
+            </a:fld>
+            <a:endParaRPr lang="fr-FR"/>
+          </a:p>
+        </p:txBody>
+      </p:sp>
+    </p:spTree>
+    <p:extLst>
+      <p:ext uri="{BB962C8B-B14F-4D97-AF65-F5344CB8AC3E}">
+        <p14:creationId xmlns:p14="http://schemas.microsoft.com/office/powerpoint/2010/main" val="959339953"/>
+      </p:ext>
+    </p:extLst>
+  </p:cSld>
+  <p:clrMapOvr>
+    <a:masterClrMapping/>
+  </p:clrMapOvr>
+  <mc:AlternateContent xmlns:mc="http://schemas.openxmlformats.org/markup-compatibility/2006" xmlns:p14="http://schemas.microsoft.com/office/powerpoint/2010/main">
+    <mc:Choice Requires="p14">
+      <p:transition spd="med" p14:dur="700">
+        <p:fade/>
+      </p:transition>
+    </mc:Choice>
+    <mc:Fallback xmlns="">
+      <p:transition spd="med">
+        <p:fade/>
+      </p:transition>
+    </mc:Fallback>
+  </mc:AlternateContent>
+</p:sld>
+</file>
+
+<file path=ppt/slides/slide6.xml><?xml version="1.0" encoding="utf-8"?>
+<p:sld xmlns:a="http://schemas.openxmlformats.org/drawingml/2006/main" xmlns:r="http://schemas.openxmlformats.org/officeDocument/2006/relationships" xmlns:p="http://schemas.openxmlformats.org/presentationml/2006/main">
+  <p:cSld>
+    <p:spTree>
+      <p:nvGrpSpPr>
+        <p:cNvPr id="1" name=""/>
+        <p:cNvGrpSpPr/>
+        <p:nvPr/>
+      </p:nvGrpSpPr>
+      <p:grpSpPr>
+        <a:xfrm>
+          <a:off x="0" y="0"/>
+          <a:ext cx="0" cy="0"/>
+          <a:chOff x="0" y="0"/>
+          <a:chExt cx="0" cy="0"/>
+        </a:xfrm>
+      </p:grpSpPr>
+      <p:sp>
+        <p:nvSpPr>
+          <p:cNvPr id="2" name="Titre 1"/>
+          <p:cNvSpPr>
+            <a:spLocks noGrp="1"/>
+          </p:cNvSpPr>
+          <p:nvPr>
+            <p:ph type="title"/>
+          </p:nvPr>
+        </p:nvSpPr>
+        <p:spPr>
+          <a:xfrm>
+            <a:off x="379412" y="381000"/>
+            <a:ext cx="11506199" cy="838200"/>
+          </a:xfrm>
+        </p:spPr>
+        <p:txBody>
+          <a:bodyPr>
+            <a:normAutofit fontScale="90000"/>
+          </a:bodyPr>
+          <a:lstStyle/>
+          <a:p>
+            <a:r>
+              <a:rPr lang="fr-FR" dirty="0" smtClean="0"/>
+              <a:t>III- Préparation des données puis passage dans l’algorithme</a:t>
+            </a:r>
+            <a:endParaRPr lang="fr-FR" dirty="0"/>
+          </a:p>
+        </p:txBody>
+      </p:sp>
+      <p:sp>
+        <p:nvSpPr>
+          <p:cNvPr id="3" name="Espace réservé du contenu 2"/>
+          <p:cNvSpPr>
+            <a:spLocks noGrp="1"/>
+          </p:cNvSpPr>
+          <p:nvPr>
+            <p:ph idx="1"/>
+          </p:nvPr>
+        </p:nvSpPr>
+        <p:spPr>
+          <a:xfrm>
+            <a:off x="1522413" y="1904999"/>
+            <a:ext cx="9296399" cy="4114801"/>
+          </a:xfrm>
+        </p:spPr>
+        <p:txBody>
+          <a:bodyPr/>
+          <a:lstStyle/>
+          <a:p>
+            <a:pPr>
+              <a:buFont typeface="Wingdings" charset="2"/>
+              <a:buChar char="Ø"/>
+            </a:pPr>
+            <a:r>
+              <a:rPr lang="fr-FR" dirty="0" smtClean="0"/>
+              <a:t>Tri des données puis insertion d’individu(s) atypiques (&lt;50%)</a:t>
+            </a:r>
+          </a:p>
+          <a:p>
+            <a:pPr>
+              <a:buFont typeface="Wingdings" charset="2"/>
+              <a:buChar char="Ø"/>
+            </a:pPr>
+            <a:r>
+              <a:rPr lang="fr-FR" dirty="0" smtClean="0"/>
+              <a:t>Passage dans l’algorithme</a:t>
+            </a:r>
+          </a:p>
+          <a:p>
+            <a:pPr lvl="1">
+              <a:buFont typeface="Wingdings" charset="2"/>
+              <a:buChar char="Ø"/>
+            </a:pPr>
+            <a:r>
+              <a:rPr lang="fr-FR" dirty="0" smtClean="0"/>
+              <a:t>(dessin des matrices + fonction de </a:t>
+            </a:r>
+            <a:r>
+              <a:rPr lang="fr-FR" dirty="0" err="1" smtClean="0"/>
+              <a:t>selection</a:t>
+            </a:r>
+            <a:r>
+              <a:rPr lang="fr-FR" dirty="0" smtClean="0"/>
+              <a:t> et </a:t>
+            </a:r>
+            <a:r>
+              <a:rPr lang="fr-FR" dirty="0" err="1" smtClean="0"/>
+              <a:t>penalité</a:t>
+            </a:r>
+            <a:r>
+              <a:rPr lang="fr-FR" dirty="0" smtClean="0"/>
+              <a:t> pour explication de l’</a:t>
+            </a:r>
+            <a:r>
+              <a:rPr lang="fr-FR" dirty="0" err="1" smtClean="0"/>
+              <a:t>algo</a:t>
+            </a:r>
+            <a:r>
+              <a:rPr lang="fr-FR" dirty="0" smtClean="0"/>
+              <a:t>)</a:t>
+            </a:r>
+            <a:endParaRPr lang="fr-FR" dirty="0"/>
+          </a:p>
+        </p:txBody>
+      </p:sp>
+      <p:pic>
+        <p:nvPicPr>
+          <p:cNvPr id="4" name="Image 3" descr="logominesnancy_transp.png"/>
+          <p:cNvPicPr>
+            <a:picLocks noChangeAspect="1"/>
+          </p:cNvPicPr>
+          <p:nvPr/>
+        </p:nvPicPr>
+        <p:blipFill>
+          <a:blip r:embed="rId2">
+            <a:extLst>
+              <a:ext uri="{28A0092B-C50C-407E-A947-70E740481C1C}">
+                <a14:useLocalDpi xmlns:a14="http://schemas.microsoft.com/office/drawing/2010/main" val="0"/>
+              </a:ext>
+            </a:extLst>
+          </a:blip>
+          <a:stretch>
+            <a:fillRect/>
+          </a:stretch>
+        </p:blipFill>
+        <p:spPr>
+          <a:xfrm>
+            <a:off x="-153988" y="5562600"/>
+            <a:ext cx="2183674" cy="1295400"/>
+          </a:xfrm>
+          <a:prstGeom prst="rect">
+            <a:avLst/>
+          </a:prstGeom>
+        </p:spPr>
+      </p:pic>
+      <p:sp>
+        <p:nvSpPr>
+          <p:cNvPr id="5" name="ZoneTexte 4"/>
+          <p:cNvSpPr txBox="1"/>
+          <p:nvPr/>
+        </p:nvSpPr>
+        <p:spPr>
+          <a:xfrm>
+            <a:off x="4037012" y="6324600"/>
+            <a:ext cx="4267200" cy="346249"/>
+          </a:xfrm>
+          <a:prstGeom prst="rect">
+            <a:avLst/>
+          </a:prstGeom>
+          <a:noFill/>
+        </p:spPr>
+        <p:txBody>
+          <a:bodyPr wrap="square" rtlCol="0">
+            <a:spAutoFit/>
+          </a:bodyPr>
+          <a:lstStyle/>
+          <a:p>
+            <a:pPr algn="ctr">
+              <a:lnSpc>
+                <a:spcPct val="90000"/>
+              </a:lnSpc>
+            </a:pPr>
+            <a:r>
+              <a:rPr lang="fr-FR" dirty="0" smtClean="0"/>
+              <a:t>Soutenance projet 3A – </a:t>
+            </a:r>
+            <a:r>
+              <a:rPr lang="fr-FR" dirty="0" err="1" smtClean="0"/>
+              <a:t>Lauwérière</a:t>
+            </a:r>
+            <a:r>
+              <a:rPr lang="fr-FR" dirty="0" smtClean="0"/>
+              <a:t> Fabrice</a:t>
+            </a:r>
+            <a:endParaRPr lang="fr-FR" dirty="0"/>
+          </a:p>
+        </p:txBody>
+      </p:sp>
+      <p:sp>
+        <p:nvSpPr>
+          <p:cNvPr id="6" name="Espace réservé du numéro de diapositive 5"/>
+          <p:cNvSpPr>
+            <a:spLocks noGrp="1"/>
+          </p:cNvSpPr>
+          <p:nvPr>
+            <p:ph type="sldNum" sz="quarter" idx="12"/>
+          </p:nvPr>
+        </p:nvSpPr>
+        <p:spPr/>
+        <p:txBody>
+          <a:bodyPr/>
+          <a:lstStyle/>
+          <a:p>
+            <a:fld id="{2A013F82-EE5E-44EE-A61D-E31C6657F26F}" type="slidenum">
+              <a:rPr lang="fr-FR" smtClean="0"/>
+              <a:t>5</a:t>
+            </a:fld>
+            <a:endParaRPr lang="fr-FR"/>
+          </a:p>
+        </p:txBody>
+      </p:sp>
+    </p:spTree>
+    <p:extLst>
+      <p:ext uri="{BB962C8B-B14F-4D97-AF65-F5344CB8AC3E}">
+        <p14:creationId xmlns:p14="http://schemas.microsoft.com/office/powerpoint/2010/main" val="3891018935"/>
+      </p:ext>
+    </p:extLst>
+  </p:cSld>
+  <p:clrMapOvr>
+    <a:masterClrMapping/>
+  </p:clrMapOvr>
+  <mc:AlternateContent xmlns:mc="http://schemas.openxmlformats.org/markup-compatibility/2006" xmlns:p14="http://schemas.microsoft.com/office/powerpoint/2010/main">
+    <mc:Choice Requires="p14">
+      <p:transition spd="med" p14:dur="700">
+        <p:fade/>
+      </p:transition>
+    </mc:Choice>
+    <mc:Fallback xmlns="">
+      <p:transition spd="med">
+        <p:fade/>
+      </p:transition>
+    </mc:Fallback>
+  </mc:AlternateContent>
+</p:sld>
+</file>
+
+<file path=ppt/slides/slide7.xml><?xml version="1.0" encoding="utf-8"?>
+<p:sld xmlns:a="http://schemas.openxmlformats.org/drawingml/2006/main" xmlns:r="http://schemas.openxmlformats.org/officeDocument/2006/relationships" xmlns:p="http://schemas.openxmlformats.org/presentationml/2006/main">
+  <p:cSld>
+    <p:spTree>
+      <p:nvGrpSpPr>
+        <p:cNvPr id="1" name=""/>
+        <p:cNvGrpSpPr/>
+        <p:nvPr/>
+      </p:nvGrpSpPr>
+      <p:grpSpPr>
+        <a:xfrm>
+          <a:off x="0" y="0"/>
+          <a:ext cx="0" cy="0"/>
+          <a:chOff x="0" y="0"/>
+          <a:chExt cx="0" cy="0"/>
+        </a:xfrm>
+      </p:grpSpPr>
+      <p:sp>
+        <p:nvSpPr>
+          <p:cNvPr id="2" name="Titre 1"/>
+          <p:cNvSpPr>
+            <a:spLocks noGrp="1"/>
+          </p:cNvSpPr>
+          <p:nvPr>
+            <p:ph type="title"/>
+          </p:nvPr>
+        </p:nvSpPr>
+        <p:spPr>
+          <a:xfrm>
+            <a:off x="379412" y="381000"/>
+            <a:ext cx="11506199" cy="838200"/>
+          </a:xfrm>
+        </p:spPr>
+        <p:txBody>
+          <a:bodyPr>
+            <a:normAutofit/>
+          </a:bodyPr>
+          <a:lstStyle/>
+          <a:p>
+            <a:r>
+              <a:rPr lang="fr-FR" dirty="0" smtClean="0"/>
+              <a:t>IV- Analyse du </a:t>
+            </a:r>
+            <a:r>
+              <a:rPr lang="fr-FR" dirty="0" err="1" smtClean="0"/>
+              <a:t>processing</a:t>
+            </a:r>
+            <a:r>
+              <a:rPr lang="fr-FR" dirty="0" smtClean="0"/>
+              <a:t> et des résultats</a:t>
+            </a:r>
+            <a:endParaRPr lang="fr-FR" dirty="0"/>
+          </a:p>
+        </p:txBody>
+      </p:sp>
+      <p:sp>
+        <p:nvSpPr>
+          <p:cNvPr id="3" name="Espace réservé du contenu 2"/>
+          <p:cNvSpPr>
+            <a:spLocks noGrp="1"/>
+          </p:cNvSpPr>
+          <p:nvPr>
+            <p:ph idx="1"/>
+          </p:nvPr>
+        </p:nvSpPr>
+        <p:spPr>
+          <a:xfrm>
+            <a:off x="1522413" y="1904999"/>
+            <a:ext cx="9296399" cy="4114801"/>
+          </a:xfrm>
+        </p:spPr>
+        <p:txBody>
+          <a:bodyPr/>
+          <a:lstStyle/>
+          <a:p>
+            <a:pPr>
+              <a:buFont typeface="Wingdings" charset="2"/>
+              <a:buChar char="Ø"/>
+            </a:pPr>
+            <a:r>
+              <a:rPr lang="fr-FR" dirty="0" smtClean="0"/>
+              <a:t>Complexité et temps de calcul</a:t>
+            </a:r>
+          </a:p>
+          <a:p>
+            <a:pPr lvl="1">
+              <a:buFont typeface="Wingdings" charset="2"/>
+              <a:buChar char="Ø"/>
+            </a:pPr>
+            <a:r>
+              <a:rPr lang="fr-FR" dirty="0" smtClean="0"/>
+              <a:t>Impossibilité de traiter de grande valeur en un temps acceptable</a:t>
+            </a:r>
+          </a:p>
+          <a:p>
+            <a:pPr lvl="1">
+              <a:buFont typeface="Wingdings" charset="2"/>
+              <a:buChar char="Ø"/>
+            </a:pPr>
+            <a:r>
+              <a:rPr lang="fr-FR" dirty="0" smtClean="0"/>
+              <a:t>Exemples de temps de calcul</a:t>
+            </a:r>
+          </a:p>
+          <a:p>
+            <a:pPr>
+              <a:buFont typeface="Wingdings" charset="2"/>
+              <a:buChar char="Ø"/>
+            </a:pPr>
+            <a:r>
+              <a:rPr lang="fr-FR" dirty="0" smtClean="0"/>
+              <a:t>Validité des résultats</a:t>
+            </a:r>
+            <a:endParaRPr lang="fr-FR" dirty="0"/>
+          </a:p>
+        </p:txBody>
+      </p:sp>
+      <p:pic>
+        <p:nvPicPr>
+          <p:cNvPr id="4" name="Image 3" descr="logominesnancy_transp.png"/>
+          <p:cNvPicPr>
+            <a:picLocks noChangeAspect="1"/>
+          </p:cNvPicPr>
+          <p:nvPr/>
+        </p:nvPicPr>
+        <p:blipFill>
+          <a:blip r:embed="rId2">
+            <a:extLst>
+              <a:ext uri="{28A0092B-C50C-407E-A947-70E740481C1C}">
+                <a14:useLocalDpi xmlns:a14="http://schemas.microsoft.com/office/drawing/2010/main" val="0"/>
+              </a:ext>
+            </a:extLst>
+          </a:blip>
+          <a:stretch>
+            <a:fillRect/>
+          </a:stretch>
+        </p:blipFill>
+        <p:spPr>
+          <a:xfrm>
+            <a:off x="-153988" y="5562600"/>
+            <a:ext cx="2183674" cy="1295400"/>
+          </a:xfrm>
+          <a:prstGeom prst="rect">
+            <a:avLst/>
+          </a:prstGeom>
+        </p:spPr>
+      </p:pic>
+      <p:sp>
+        <p:nvSpPr>
+          <p:cNvPr id="5" name="ZoneTexte 4"/>
+          <p:cNvSpPr txBox="1"/>
+          <p:nvPr/>
+        </p:nvSpPr>
+        <p:spPr>
+          <a:xfrm>
+            <a:off x="4037012" y="6324600"/>
+            <a:ext cx="4267200" cy="346249"/>
+          </a:xfrm>
+          <a:prstGeom prst="rect">
+            <a:avLst/>
+          </a:prstGeom>
+          <a:noFill/>
+        </p:spPr>
+        <p:txBody>
+          <a:bodyPr wrap="square" rtlCol="0">
+            <a:spAutoFit/>
+          </a:bodyPr>
+          <a:lstStyle/>
+          <a:p>
+            <a:pPr algn="ctr">
+              <a:lnSpc>
+                <a:spcPct val="90000"/>
+              </a:lnSpc>
+            </a:pPr>
+            <a:r>
+              <a:rPr lang="fr-FR" dirty="0" smtClean="0"/>
+              <a:t>Soutenance projet 3A – </a:t>
+            </a:r>
+            <a:r>
+              <a:rPr lang="fr-FR" dirty="0" err="1" smtClean="0"/>
+              <a:t>Lauwérière</a:t>
+            </a:r>
+            <a:r>
+              <a:rPr lang="fr-FR" dirty="0" smtClean="0"/>
+              <a:t> Fabrice</a:t>
+            </a:r>
+            <a:endParaRPr lang="fr-FR" dirty="0"/>
+          </a:p>
+        </p:txBody>
+      </p:sp>
+      <p:sp>
+        <p:nvSpPr>
+          <p:cNvPr id="6" name="Espace réservé du numéro de diapositive 5"/>
+          <p:cNvSpPr>
+            <a:spLocks noGrp="1"/>
+          </p:cNvSpPr>
+          <p:nvPr>
+            <p:ph type="sldNum" sz="quarter" idx="12"/>
+          </p:nvPr>
+        </p:nvSpPr>
+        <p:spPr/>
+        <p:txBody>
+          <a:bodyPr/>
+          <a:lstStyle/>
+          <a:p>
+            <a:fld id="{2A013F82-EE5E-44EE-A61D-E31C6657F26F}" type="slidenum">
+              <a:rPr lang="fr-FR" smtClean="0"/>
+              <a:t>6</a:t>
+            </a:fld>
+            <a:endParaRPr lang="fr-FR"/>
+          </a:p>
+        </p:txBody>
+      </p:sp>
+    </p:spTree>
+    <p:extLst>
+      <p:ext uri="{BB962C8B-B14F-4D97-AF65-F5344CB8AC3E}">
+        <p14:creationId xmlns:p14="http://schemas.microsoft.com/office/powerpoint/2010/main" val="1031449851"/>
+      </p:ext>
+    </p:extLst>
+  </p:cSld>
+  <p:clrMapOvr>
+    <a:masterClrMapping/>
+  </p:clrMapOvr>
+  <mc:AlternateContent xmlns:mc="http://schemas.openxmlformats.org/markup-compatibility/2006" xmlns:p14="http://schemas.microsoft.com/office/powerpoint/2010/main">
+    <mc:Choice Requires="p14">
+      <p:transition spd="med" p14:dur="700">
+        <p:fade/>
+      </p:transition>
+    </mc:Choice>
+    <mc:Fallback xmlns="">
+      <p:transition spd="med">
+        <p:fade/>
+      </p:transition>
+    </mc:Fallback>
+  </mc:AlternateContent>
+</p:sld>
+</file>
+
+<file path=ppt/slides/slide8.xml><?xml version="1.0" encoding="utf-8"?>
+<p:sld xmlns:a="http://schemas.openxmlformats.org/drawingml/2006/main" xmlns:r="http://schemas.openxmlformats.org/officeDocument/2006/relationships" xmlns:p="http://schemas.openxmlformats.org/presentationml/2006/main">
+  <p:cSld>
+    <p:spTree>
+      <p:nvGrpSpPr>
+        <p:cNvPr id="1" name=""/>
+        <p:cNvGrpSpPr/>
+        <p:nvPr/>
+      </p:nvGrpSpPr>
+      <p:grpSpPr>
+        <a:xfrm>
+          <a:off x="0" y="0"/>
+          <a:ext cx="0" cy="0"/>
+          <a:chOff x="0" y="0"/>
+          <a:chExt cx="0" cy="0"/>
+        </a:xfrm>
+      </p:grpSpPr>
+      <p:sp>
+        <p:nvSpPr>
+          <p:cNvPr id="2" name="Titre 1"/>
+          <p:cNvSpPr>
+            <a:spLocks noGrp="1"/>
+          </p:cNvSpPr>
+          <p:nvPr>
+            <p:ph type="ctrTitle"/>
+          </p:nvPr>
+        </p:nvSpPr>
+        <p:spPr>
+          <a:xfrm>
+            <a:off x="1293812" y="1828800"/>
+            <a:ext cx="9753598" cy="1905000"/>
+          </a:xfrm>
+        </p:spPr>
+        <p:txBody>
+          <a:bodyPr/>
+          <a:lstStyle/>
+          <a:p>
+            <a:pPr algn="ctr"/>
+            <a:r>
+              <a:rPr lang="fr-FR" dirty="0" smtClean="0"/>
+              <a:t>Merci de votre attention</a:t>
+            </a:r>
+            <a:endParaRPr lang="fr-FR" dirty="0"/>
+          </a:p>
+        </p:txBody>
+      </p:sp>
+      <p:sp>
+        <p:nvSpPr>
+          <p:cNvPr id="3" name="Sous-titre 2"/>
+          <p:cNvSpPr>
+            <a:spLocks noGrp="1"/>
+          </p:cNvSpPr>
+          <p:nvPr>
+            <p:ph type="subTitle" idx="1"/>
+          </p:nvPr>
+        </p:nvSpPr>
+        <p:spPr>
+          <a:xfrm>
+            <a:off x="2208212" y="4800600"/>
+            <a:ext cx="8229600" cy="1219200"/>
+          </a:xfrm>
+        </p:spPr>
+        <p:txBody>
+          <a:bodyPr/>
+          <a:lstStyle/>
+          <a:p>
+            <a:pPr algn="ctr"/>
+            <a:r>
+              <a:rPr lang="fr-FR" dirty="0" smtClean="0"/>
+              <a:t>démonstration</a:t>
+            </a:r>
+            <a:endParaRPr lang="fr-FR" dirty="0"/>
+          </a:p>
+        </p:txBody>
+      </p:sp>
+      <p:pic>
+        <p:nvPicPr>
+          <p:cNvPr id="5" name="Image 4" descr="logominesnancy_transp.png"/>
+          <p:cNvPicPr>
+            <a:picLocks noChangeAspect="1"/>
+          </p:cNvPicPr>
+          <p:nvPr/>
+        </p:nvPicPr>
+        <p:blipFill>
+          <a:blip r:embed="rId2">
+            <a:extLst>
+              <a:ext uri="{28A0092B-C50C-407E-A947-70E740481C1C}">
+                <a14:useLocalDpi xmlns:a14="http://schemas.microsoft.com/office/drawing/2010/main" val="0"/>
+              </a:ext>
+            </a:extLst>
+          </a:blip>
+          <a:stretch>
+            <a:fillRect/>
+          </a:stretch>
+        </p:blipFill>
+        <p:spPr>
+          <a:xfrm>
+            <a:off x="8977539" y="4953000"/>
+            <a:ext cx="3211286" cy="1905000"/>
+          </a:xfrm>
+          <a:prstGeom prst="rect">
+            <a:avLst/>
+          </a:prstGeom>
+        </p:spPr>
+      </p:pic>
+    </p:spTree>
+    <p:extLst>
+      <p:ext uri="{BB962C8B-B14F-4D97-AF65-F5344CB8AC3E}">
+        <p14:creationId xmlns:p14="http://schemas.microsoft.com/office/powerpoint/2010/main" val="1783247899"/>
+      </p:ext>
+    </p:extLst>
+  </p:cSld>
+  <p:clrMapOvr>
+    <a:masterClrMapping/>
+  </p:clrMapOvr>
+  <mc:AlternateContent xmlns:mc="http://schemas.openxmlformats.org/markup-compatibility/2006" xmlns:p14="http://schemas.microsoft.com/office/powerpoint/2010/main">
+    <mc:Choice Requires="p14">
+      <p:transition spd="med" p14:dur="700">
+        <p:fade/>
+      </p:transition>
+    </mc:Choice>
+    <mc:Fallback xmlns="">
+      <p:transition spd="med">
+        <p:fade/>
+      </p:transition>
+    </mc:Fallback>
+  </mc:AlternateContent>
 </p:sld>
 </file>
 

--- a/Documents/soutenance/soutenanceProjet3A.pptx
+++ b/Documents/soutenance/soutenanceProjet3A.pptx
@@ -5,10 +5,10 @@
     <p:sldMasterId id="2147483648" r:id="rId2"/>
   </p:sldMasterIdLst>
   <p:notesMasterIdLst>
-    <p:notesMasterId r:id="rId11"/>
+    <p:notesMasterId r:id="rId13"/>
   </p:notesMasterIdLst>
   <p:handoutMasterIdLst>
-    <p:handoutMasterId r:id="rId12"/>
+    <p:handoutMasterId r:id="rId14"/>
   </p:handoutMasterIdLst>
   <p:sldIdLst>
     <p:sldId id="265" r:id="rId3"/>
@@ -18,12 +18,14 @@
     <p:sldId id="272" r:id="rId7"/>
     <p:sldId id="269" r:id="rId8"/>
     <p:sldId id="270" r:id="rId9"/>
-    <p:sldId id="271" r:id="rId10"/>
+    <p:sldId id="275" r:id="rId10"/>
+    <p:sldId id="274" r:id="rId11"/>
+    <p:sldId id="271" r:id="rId12"/>
   </p:sldIdLst>
   <p:sldSz cx="12188825" cy="6858000"/>
   <p:notesSz cx="6858000" cy="9144000"/>
   <p:custDataLst>
-    <p:tags r:id="rId14"/>
+    <p:tags r:id="rId16"/>
   </p:custDataLst>
   <p:defaultTextStyle>
     <a:defPPr>
@@ -314,7 +316,7 @@
           <a:p>
             <a:fld id="{F8F73668-7BE6-4649-A38D-50C6ABD1E746}" type="datetime1">
               <a:rPr lang="fr-FR" smtClean="0"/>
-              <a:t>31/01/14</a:t>
+              <a:t>06/02/14</a:t>
             </a:fld>
             <a:endParaRPr/>
           </a:p>
@@ -480,7 +482,7 @@
           <a:p>
             <a:fld id="{E15D2050-C175-4347-976E-C21877214561}" type="datetime1">
               <a:rPr lang="fr-FR" smtClean="0"/>
-              <a:t>31/01/14</a:t>
+              <a:t>06/02/14</a:t>
             </a:fld>
             <a:endParaRPr/>
           </a:p>
@@ -4231,11 +4233,7 @@
           <a:p>
             <a:r>
               <a:rPr lang="fr-FR" dirty="0" smtClean="0"/>
-              <a:t>Soutenance de </a:t>
-            </a:r>
-            <a:r>
-              <a:rPr lang="fr-FR" dirty="0" smtClean="0"/>
-              <a:t>projet 3A</a:t>
+              <a:t>Soutenance de projet 3A</a:t>
             </a:r>
             <a:endParaRPr lang="fr-FR" dirty="0"/>
           </a:p>
@@ -4271,7 +4269,15 @@
           <a:p>
             <a:r>
               <a:rPr lang="fr-FR" dirty="0" smtClean="0"/>
-              <a:t>Détection de comportement atypique À partir d’historiques de navigation internet</a:t>
+              <a:t>Détection de </a:t>
+            </a:r>
+            <a:r>
+              <a:rPr lang="fr-FR" dirty="0" smtClean="0"/>
+              <a:t>comportements atypiques </a:t>
+            </a:r>
+            <a:r>
+              <a:rPr lang="fr-FR" dirty="0" smtClean="0"/>
+              <a:t>À partir d’historiques de navigation internet</a:t>
             </a:r>
             <a:endParaRPr lang="fr-FR" dirty="0"/>
           </a:p>
@@ -4344,11 +4350,7 @@
             </a:r>
             <a:r>
               <a:rPr lang="fr-FR" dirty="0" smtClean="0"/>
-              <a:t> </a:t>
-            </a:r>
-            <a:r>
-              <a:rPr lang="fr-FR" dirty="0" smtClean="0"/>
-              <a:t>Fabrice</a:t>
+              <a:t> Fabrice</a:t>
             </a:r>
           </a:p>
           <a:p>
@@ -4359,19 +4361,11 @@
             </a:pPr>
             <a:r>
               <a:rPr lang="fr-FR" dirty="0" smtClean="0"/>
-              <a:t>Tutrice </a:t>
-            </a:r>
-            <a:r>
-              <a:rPr lang="fr-FR" dirty="0" smtClean="0"/>
-              <a:t>: </a:t>
-            </a:r>
-            <a:r>
-              <a:rPr lang="fr-FR" dirty="0" smtClean="0"/>
-              <a:t>Dominique </a:t>
+              <a:t>Tutrice : Dominique </a:t>
             </a:r>
             <a:r>
               <a:rPr lang="fr-FR" dirty="0" err="1" smtClean="0"/>
-              <a:t>Benmoufek</a:t>
+              <a:t>Benmouffek</a:t>
             </a:r>
             <a:endParaRPr lang="fr-FR" dirty="0" smtClean="0"/>
           </a:p>
@@ -4381,6 +4375,143 @@
     <p:extLst>
       <p:ext uri="{BB962C8B-B14F-4D97-AF65-F5344CB8AC3E}">
         <p14:creationId xmlns:p14="http://schemas.microsoft.com/office/powerpoint/2010/main" val="2808920126"/>
+      </p:ext>
+    </p:extLst>
+  </p:cSld>
+  <p:clrMapOvr>
+    <a:masterClrMapping/>
+  </p:clrMapOvr>
+  <mc:AlternateContent xmlns:mc="http://schemas.openxmlformats.org/markup-compatibility/2006" xmlns:p14="http://schemas.microsoft.com/office/powerpoint/2010/main">
+    <mc:Choice Requires="p14">
+      <p:transition spd="med" p14:dur="700">
+        <p:fade/>
+      </p:transition>
+    </mc:Choice>
+    <mc:Fallback xmlns="">
+      <p:transition spd="med">
+        <p:fade/>
+      </p:transition>
+    </mc:Fallback>
+  </mc:AlternateContent>
+  <p:timing>
+    <p:tnLst>
+      <p:par>
+        <p:cTn xmlns:p14="http://schemas.microsoft.com/office/powerpoint/2010/main" id="1" dur="indefinite" restart="never" nodeType="tmRoot"/>
+      </p:par>
+    </p:tnLst>
+  </p:timing>
+</p:sld>
+</file>
+
+<file path=ppt/slides/slide10.xml><?xml version="1.0" encoding="utf-8"?>
+<p:sld xmlns:a="http://schemas.openxmlformats.org/drawingml/2006/main" xmlns:r="http://schemas.openxmlformats.org/officeDocument/2006/relationships" xmlns:p="http://schemas.openxmlformats.org/presentationml/2006/main">
+  <p:cSld>
+    <p:spTree>
+      <p:nvGrpSpPr>
+        <p:cNvPr id="1" name=""/>
+        <p:cNvGrpSpPr/>
+        <p:nvPr/>
+      </p:nvGrpSpPr>
+      <p:grpSpPr>
+        <a:xfrm>
+          <a:off x="0" y="0"/>
+          <a:ext cx="0" cy="0"/>
+          <a:chOff x="0" y="0"/>
+          <a:chExt cx="0" cy="0"/>
+        </a:xfrm>
+      </p:grpSpPr>
+      <p:sp>
+        <p:nvSpPr>
+          <p:cNvPr id="2" name="Titre 1"/>
+          <p:cNvSpPr>
+            <a:spLocks noGrp="1"/>
+          </p:cNvSpPr>
+          <p:nvPr>
+            <p:ph type="ctrTitle"/>
+          </p:nvPr>
+        </p:nvSpPr>
+        <p:spPr>
+          <a:xfrm>
+            <a:off x="1293812" y="1828800"/>
+            <a:ext cx="9753598" cy="1905000"/>
+          </a:xfrm>
+        </p:spPr>
+        <p:txBody>
+          <a:bodyPr/>
+          <a:lstStyle/>
+          <a:p>
+            <a:pPr algn="ctr"/>
+            <a:r>
+              <a:rPr lang="fr-FR" dirty="0" smtClean="0"/>
+              <a:t>Merci de votre attention</a:t>
+            </a:r>
+            <a:endParaRPr lang="fr-FR" dirty="0"/>
+          </a:p>
+        </p:txBody>
+      </p:sp>
+      <p:sp>
+        <p:nvSpPr>
+          <p:cNvPr id="3" name="Sous-titre 2"/>
+          <p:cNvSpPr>
+            <a:spLocks noGrp="1"/>
+          </p:cNvSpPr>
+          <p:nvPr>
+            <p:ph type="subTitle" idx="1"/>
+          </p:nvPr>
+        </p:nvSpPr>
+        <p:spPr>
+          <a:xfrm>
+            <a:off x="2208212" y="4800600"/>
+            <a:ext cx="8229600" cy="1219200"/>
+          </a:xfrm>
+        </p:spPr>
+        <p:txBody>
+          <a:bodyPr/>
+          <a:lstStyle/>
+          <a:p>
+            <a:pPr algn="ctr"/>
+            <a:r>
+              <a:rPr lang="fr-FR" dirty="0" smtClean="0"/>
+              <a:t>démonstration</a:t>
+            </a:r>
+            <a:endParaRPr lang="fr-FR" dirty="0"/>
+          </a:p>
+        </p:txBody>
+      </p:sp>
+      <p:pic>
+        <p:nvPicPr>
+          <p:cNvPr id="5" name="Image 4" descr="logominesnancy_transp.png"/>
+          <p:cNvPicPr>
+            <a:picLocks noChangeAspect="1"/>
+          </p:cNvPicPr>
+          <p:nvPr/>
+        </p:nvPicPr>
+        <p:blipFill>
+          <a:blip r:embed="rId2">
+            <a:extLst>
+              <a:ext uri="{28A0092B-C50C-407E-A947-70E740481C1C}">
+                <a14:useLocalDpi xmlns:a14="http://schemas.microsoft.com/office/drawing/2010/main" val="0"/>
+              </a:ext>
+            </a:extLst>
+          </a:blip>
+          <a:stretch>
+            <a:fillRect/>
+          </a:stretch>
+        </p:blipFill>
+        <p:spPr>
+          <a:xfrm>
+            <a:off x="8977539" y="4953000"/>
+            <a:ext cx="3211286" cy="1905000"/>
+          </a:xfrm>
+          <a:prstGeom prst="rect">
+            <a:avLst/>
+          </a:prstGeom>
+        </p:spPr>
+      </p:pic>
+    </p:spTree>
+    <p:extLst>
+      <p:ext uri="{BB962C8B-B14F-4D97-AF65-F5344CB8AC3E}">
+        <p14:creationId xmlns:p14="http://schemas.microsoft.com/office/powerpoint/2010/main" val="1783247899"/>
       </p:ext>
     </p:extLst>
   </p:cSld>
@@ -4443,12 +4574,18 @@
           </a:xfrm>
         </p:spPr>
         <p:txBody>
-          <a:bodyPr/>
+          <a:bodyPr>
+            <a:normAutofit fontScale="90000"/>
+          </a:bodyPr>
           <a:lstStyle/>
           <a:p>
             <a:r>
+              <a:rPr lang="fr-FR" dirty="0" smtClean="0"/>
+              <a:t>I.1- </a:t>
+            </a:r>
+            <a:r>
               <a:rPr lang="fr-FR" dirty="0"/>
-              <a:t>I- Étude bibliographique et définition du cadre du projet</a:t>
+              <a:t>Étude bibliographique et définition du cadre du projet</a:t>
             </a:r>
           </a:p>
         </p:txBody>
@@ -4585,7 +4722,7 @@
             </a:r>
             <a:r>
               <a:rPr lang="fr-FR" dirty="0" smtClean="0"/>
-              <a:t> à partir d’historiques de navigation</a:t>
+              <a:t> à partir d’historiques de navigation Internet</a:t>
             </a:r>
           </a:p>
           <a:p>
@@ -4722,6 +4859,13 @@
       </p:transition>
     </mc:Fallback>
   </mc:AlternateContent>
+  <p:timing>
+    <p:tnLst>
+      <p:par>
+        <p:cTn xmlns:p14="http://schemas.microsoft.com/office/powerpoint/2010/main" id="1" dur="indefinite" restart="never" nodeType="tmRoot"/>
+      </p:par>
+    </p:tnLst>
+  </p:timing>
 </p:sld>
 </file>
 
@@ -4759,41 +4903,75 @@
           </a:xfrm>
         </p:spPr>
         <p:txBody>
+          <a:bodyPr>
+            <a:normAutofit/>
+          </a:bodyPr>
+          <a:lstStyle/>
+          <a:p>
+            <a:r>
+              <a:rPr lang="fr-FR" dirty="0" smtClean="0"/>
+              <a:t>I.2- Transposition du problème</a:t>
+            </a:r>
+            <a:endParaRPr lang="fr-FR" dirty="0"/>
+          </a:p>
+        </p:txBody>
+      </p:sp>
+      <p:sp>
+        <p:nvSpPr>
+          <p:cNvPr id="3" name="Espace réservé du contenu 2"/>
+          <p:cNvSpPr>
+            <a:spLocks noGrp="1"/>
+          </p:cNvSpPr>
+          <p:nvPr>
+            <p:ph idx="1"/>
+          </p:nvPr>
+        </p:nvSpPr>
+        <p:spPr/>
+        <p:txBody>
           <a:bodyPr/>
           <a:lstStyle/>
           <a:p>
-            <a:r>
-              <a:rPr lang="fr-FR" dirty="0"/>
-              <a:t>I- </a:t>
-            </a:r>
+            <a:pPr>
+              <a:buFont typeface="Wingdings" charset="2"/>
+              <a:buChar char="Ø"/>
+            </a:pPr>
             <a:r>
               <a:rPr lang="fr-FR" dirty="0" smtClean="0"/>
-              <a:t>Transposition de l’</a:t>
+              <a:t>Utilisation d’un tel algorithme pour l’analyse de fichiers d’audit de </a:t>
+            </a:r>
+            <a:r>
+              <a:rPr lang="fr-FR" dirty="0" smtClean="0"/>
+              <a:t>sécurité – (Papier de Ludovic </a:t>
             </a:r>
             <a:r>
               <a:rPr lang="fr-FR" dirty="0" err="1" smtClean="0"/>
-              <a:t>algo</a:t>
-            </a:r>
-            <a:endParaRPr lang="fr-FR" dirty="0"/>
-          </a:p>
-        </p:txBody>
-      </p:sp>
-      <p:sp>
-        <p:nvSpPr>
-          <p:cNvPr id="3" name="Espace réservé du contenu 2"/>
-          <p:cNvSpPr>
-            <a:spLocks noGrp="1"/>
-          </p:cNvSpPr>
-          <p:nvPr>
-            <p:ph idx="1"/>
-          </p:nvPr>
-        </p:nvSpPr>
-        <p:spPr/>
-        <p:txBody>
-          <a:bodyPr/>
-          <a:lstStyle/>
-          <a:p>
-            <a:pPr lvl="1"/>
+              <a:t>Mé</a:t>
+            </a:r>
+            <a:r>
+              <a:rPr lang="fr-FR" dirty="0" smtClean="0"/>
+              <a:t>, 1995)</a:t>
+            </a:r>
+            <a:endParaRPr lang="fr-FR" dirty="0" smtClean="0"/>
+          </a:p>
+          <a:p>
+            <a:pPr lvl="1">
+              <a:buFont typeface="Wingdings" charset="2"/>
+              <a:buChar char="Ø"/>
+            </a:pPr>
+            <a:r>
+              <a:rPr lang="fr-FR" dirty="0" smtClean="0"/>
+              <a:t>Dans ce problème on recherche une combinaison d’attaques</a:t>
+            </a:r>
+          </a:p>
+          <a:p>
+            <a:pPr>
+              <a:buFont typeface="Wingdings" charset="2"/>
+              <a:buChar char="Ø"/>
+            </a:pPr>
+            <a:r>
+              <a:rPr lang="fr-FR" dirty="0" smtClean="0"/>
+              <a:t>Ici une attaque est un individu et les événements produits par une attaque sont les catégories de sites Internet</a:t>
+            </a:r>
             <a:endParaRPr lang="fr-FR" dirty="0"/>
           </a:p>
         </p:txBody>
@@ -4916,6 +5094,13 @@
       </p:transition>
     </mc:Fallback>
   </mc:AlternateContent>
+  <p:timing>
+    <p:tnLst>
+      <p:par>
+        <p:cTn xmlns:p14="http://schemas.microsoft.com/office/powerpoint/2010/main" id="1" dur="indefinite" restart="never" nodeType="tmRoot"/>
+      </p:par>
+    </p:tnLst>
+  </p:timing>
 </p:sld>
 </file>
 
@@ -4981,7 +5166,9 @@
           </a:xfrm>
         </p:spPr>
         <p:txBody>
-          <a:bodyPr/>
+          <a:bodyPr>
+            <a:normAutofit lnSpcReduction="10000"/>
+          </a:bodyPr>
           <a:lstStyle/>
           <a:p>
             <a:pPr>
@@ -4990,11 +5177,7 @@
             </a:pPr>
             <a:r>
               <a:rPr lang="fr-FR" dirty="0" smtClean="0"/>
-              <a:t>Contrainte : doit </a:t>
-            </a:r>
-            <a:r>
-              <a:rPr lang="fr-FR" dirty="0" smtClean="0"/>
-              <a:t>être le plus proche possible d’un historique de navigation d’un vraie personne</a:t>
+              <a:t>Récupération difficile donc création</a:t>
             </a:r>
           </a:p>
           <a:p>
@@ -5013,8 +5196,12 @@
               <a:buChar char="Ø"/>
             </a:pPr>
             <a:r>
+              <a:rPr lang="fr-FR" dirty="0"/>
+              <a:t>Contrainte : doit être le plus proche possible d’un historique de navigation d’un vraie </a:t>
+            </a:r>
+            <a:r>
               <a:rPr lang="fr-FR" dirty="0" smtClean="0"/>
-              <a:t>Solution : les générer</a:t>
+              <a:t>personne</a:t>
             </a:r>
           </a:p>
           <a:p>
@@ -5024,6 +5211,16 @@
             </a:pPr>
             <a:r>
               <a:rPr lang="fr-FR" dirty="0" smtClean="0"/>
+              <a:t>Solution : les générer en fonction des statistiques de préférences</a:t>
+            </a:r>
+          </a:p>
+          <a:p>
+            <a:pPr>
+              <a:buFont typeface="Wingdings" charset="2"/>
+              <a:buChar char="Ø"/>
+            </a:pPr>
+            <a:r>
+              <a:rPr lang="fr-FR" dirty="0" smtClean="0"/>
               <a:t>1</a:t>
             </a:r>
             <a:r>
@@ -5038,7 +5235,7 @@
               <a:rPr lang="fr-FR" dirty="0" smtClean="0">
                 <a:sym typeface="Wingdings"/>
               </a:rPr>
-              <a:t> bot faisant des requêtes vers </a:t>
+              <a:t> robot faisant des requêtes vers </a:t>
             </a:r>
             <a:r>
               <a:rPr lang="fr-FR" sz="2000" i="1" dirty="0" smtClean="0">
@@ -5086,13 +5283,13 @@
               <a:rPr lang="fr-FR" baseline="30000" dirty="0" smtClean="0">
                 <a:sym typeface="Wingdings"/>
               </a:rPr>
-              <a:t>nd</a:t>
+              <a:t>de</a:t>
             </a:r>
             <a:r>
               <a:rPr lang="fr-FR" dirty="0" smtClean="0">
                 <a:sym typeface="Wingdings"/>
               </a:rPr>
-              <a:t> phase : choix d’un nombre d’individus et d’un nombre de racines puis création de branche de navigation (utilisation des parents)</a:t>
+              <a:t> phase : choix d’un nombre d’individus et d’un nombre de racines puis création de branches de navigation (utilisation des parents)</a:t>
             </a:r>
           </a:p>
           <a:p>
@@ -5221,6 +5418,13 @@
       </p:transition>
     </mc:Fallback>
   </mc:AlternateContent>
+  <p:timing>
+    <p:tnLst>
+      <p:par>
+        <p:cTn xmlns:p14="http://schemas.microsoft.com/office/powerpoint/2010/main" id="1" dur="indefinite" restart="never" nodeType="tmRoot"/>
+      </p:par>
+    </p:tnLst>
+  </p:timing>
 </p:sld>
 </file>
 
@@ -5294,12 +5498,88 @@
               <a:buChar char="Ø"/>
             </a:pPr>
             <a:r>
-              <a:rPr lang="fr-FR" dirty="0" smtClean="0"/>
-              <a:t>(schéma avec les pourcentage de choix et de sauvetage)</a:t>
-            </a:r>
-            <a:endParaRPr lang="fr-FR" dirty="0" smtClean="0">
-              <a:sym typeface="Wingdings"/>
-            </a:endParaRPr>
+              <a:rPr lang="fr-FR" dirty="0" smtClean="0">
+                <a:sym typeface="Wingdings"/>
+              </a:rPr>
+              <a:t>Les paramètres de génération demandés à l’utilisateur</a:t>
+            </a:r>
+          </a:p>
+          <a:p>
+            <a:pPr>
+              <a:buFont typeface="Wingdings" charset="2"/>
+              <a:buChar char="Ø"/>
+            </a:pPr>
+            <a:r>
+              <a:rPr lang="fr-FR" dirty="0" smtClean="0">
+                <a:sym typeface="Wingdings"/>
+              </a:rPr>
+              <a:t>Pour chaque racine on choisit un parent</a:t>
+            </a:r>
+          </a:p>
+          <a:p>
+            <a:pPr lvl="1">
+              <a:buFont typeface="Wingdings" charset="2"/>
+              <a:buChar char="Ø"/>
+            </a:pPr>
+            <a:r>
+              <a:rPr lang="fr-FR" dirty="0" smtClean="0">
+                <a:sym typeface="Wingdings"/>
+              </a:rPr>
+              <a:t>Choix pondéré</a:t>
+            </a:r>
+          </a:p>
+          <a:p>
+            <a:pPr>
+              <a:buFont typeface="Wingdings" charset="2"/>
+              <a:buChar char="Ø"/>
+            </a:pPr>
+            <a:r>
+              <a:rPr lang="fr-FR" dirty="0" smtClean="0">
+                <a:sym typeface="Wingdings"/>
+              </a:rPr>
+              <a:t>Problème : Liste de sites limitée</a:t>
+            </a:r>
+          </a:p>
+          <a:p>
+            <a:pPr lvl="1">
+              <a:buFont typeface="Wingdings" charset="2"/>
+              <a:buChar char="Ø"/>
+            </a:pPr>
+            <a:r>
+              <a:rPr lang="fr-FR" dirty="0" smtClean="0">
+                <a:sym typeface="Wingdings"/>
+              </a:rPr>
+              <a:t>Possibilité de repêchage</a:t>
+            </a:r>
+          </a:p>
+          <a:p>
+            <a:pPr lvl="1">
+              <a:buFont typeface="Wingdings" charset="2"/>
+              <a:buChar char="Ø"/>
+            </a:pPr>
+            <a:r>
+              <a:rPr lang="fr-FR" dirty="0" smtClean="0">
+                <a:sym typeface="Wingdings"/>
+              </a:rPr>
+              <a:t>Chances de repêchage proportionnelles à l’avancement </a:t>
+            </a:r>
+          </a:p>
+          <a:p>
+            <a:pPr marL="231775" lvl="1" indent="0">
+              <a:buNone/>
+            </a:pPr>
+            <a:r>
+              <a:rPr lang="fr-FR" dirty="0">
+                <a:sym typeface="Wingdings"/>
+              </a:rPr>
+              <a:t>d</a:t>
+            </a:r>
+            <a:r>
+              <a:rPr lang="fr-FR" dirty="0" smtClean="0">
+                <a:sym typeface="Wingdings"/>
+              </a:rPr>
+              <a:t>ans la branche de navigation</a:t>
+            </a:r>
           </a:p>
           <a:p>
             <a:pPr marL="0" indent="0">
@@ -5405,6 +5685,66 @@
           </a:p>
         </p:txBody>
       </p:sp>
+      <p:pic>
+        <p:nvPicPr>
+          <p:cNvPr id="7" name="Image 6" descr="Capture d’écran 2014-02-03 à 12.30.16.png"/>
+          <p:cNvPicPr>
+            <a:picLocks noChangeAspect="1"/>
+          </p:cNvPicPr>
+          <p:nvPr/>
+        </p:nvPicPr>
+        <p:blipFill>
+          <a:blip r:embed="rId3">
+            <a:extLst>
+              <a:ext uri="{28A0092B-C50C-407E-A947-70E740481C1C}">
+                <a14:useLocalDpi xmlns:a14="http://schemas.microsoft.com/office/drawing/2010/main" val="0"/>
+              </a:ext>
+            </a:extLst>
+          </a:blip>
+          <a:stretch>
+            <a:fillRect/>
+          </a:stretch>
+        </p:blipFill>
+        <p:spPr>
+          <a:xfrm>
+            <a:off x="6932612" y="2362200"/>
+            <a:ext cx="5016500" cy="1587500"/>
+          </a:xfrm>
+          <a:prstGeom prst="rect">
+            <a:avLst/>
+          </a:prstGeom>
+        </p:spPr>
+      </p:pic>
+      <p:pic>
+        <p:nvPicPr>
+          <p:cNvPr id="8" name="Image 7" descr="infoSiteXML.png"/>
+          <p:cNvPicPr>
+            <a:picLocks noChangeAspect="1"/>
+          </p:cNvPicPr>
+          <p:nvPr/>
+        </p:nvPicPr>
+        <p:blipFill>
+          <a:blip r:embed="rId4">
+            <a:extLst>
+              <a:ext uri="{28A0092B-C50C-407E-A947-70E740481C1C}">
+                <a14:useLocalDpi xmlns:a14="http://schemas.microsoft.com/office/drawing/2010/main" val="0"/>
+              </a:ext>
+            </a:extLst>
+          </a:blip>
+          <a:stretch>
+            <a:fillRect/>
+          </a:stretch>
+        </p:blipFill>
+        <p:spPr>
+          <a:xfrm>
+            <a:off x="8456612" y="4038600"/>
+            <a:ext cx="3505068" cy="2562038"/>
+          </a:xfrm>
+          <a:prstGeom prst="rect">
+            <a:avLst/>
+          </a:prstGeom>
+        </p:spPr>
+      </p:pic>
     </p:spTree>
     <p:extLst>
       <p:ext uri="{BB962C8B-B14F-4D97-AF65-F5344CB8AC3E}">
@@ -5427,6 +5767,13 @@
       </p:transition>
     </mc:Fallback>
   </mc:AlternateContent>
+  <p:timing>
+    <p:tnLst>
+      <p:par>
+        <p:cTn xmlns:p14="http://schemas.microsoft.com/office/powerpoint/2010/main" id="1" dur="indefinite" restart="never" nodeType="tmRoot"/>
+      </p:par>
+    </p:tnLst>
+  </p:timing>
 </p:sld>
 </file>
 
@@ -5503,7 +5850,7 @@
             </a:pPr>
             <a:r>
               <a:rPr lang="fr-FR" dirty="0" smtClean="0"/>
-              <a:t>Tri des données puis insertion d’individu(s) atypiques (&lt;50%)</a:t>
+              <a:t>Tri des données par catégories puis insertion d’individu(s) atypique(s) (&lt;50%) – Ajout sur 1 ou plusieurs catégories</a:t>
             </a:r>
           </a:p>
           <a:p>
@@ -5523,31 +5870,7 @@
             </a:pPr>
             <a:r>
               <a:rPr lang="fr-FR" dirty="0" smtClean="0"/>
-              <a:t>(dessin des matrices + fonction de </a:t>
-            </a:r>
-            <a:r>
-              <a:rPr lang="fr-FR" dirty="0" err="1" smtClean="0"/>
-              <a:t>selection</a:t>
-            </a:r>
-            <a:r>
-              <a:rPr lang="fr-FR" dirty="0" smtClean="0"/>
-              <a:t> et </a:t>
-            </a:r>
-            <a:r>
-              <a:rPr lang="fr-FR" dirty="0" err="1" smtClean="0"/>
-              <a:t>penalité</a:t>
-            </a:r>
-            <a:r>
-              <a:rPr lang="fr-FR" dirty="0" smtClean="0"/>
-              <a:t> pour explication de l’</a:t>
-            </a:r>
-            <a:r>
-              <a:rPr lang="fr-FR" dirty="0" err="1" smtClean="0"/>
-              <a:t>algo</a:t>
-            </a:r>
-            <a:r>
-              <a:rPr lang="fr-FR" dirty="0" smtClean="0"/>
-              <a:t>)</a:t>
+              <a:t>La fonction de sélection et les pénalités</a:t>
             </a:r>
             <a:endParaRPr lang="fr-FR" dirty="0"/>
           </a:p>
@@ -5649,6 +5972,66 @@
           </a:p>
         </p:txBody>
       </p:sp>
+      <p:pic>
+        <p:nvPicPr>
+          <p:cNvPr id="7" name="Image 6" descr="algoSchema.png"/>
+          <p:cNvPicPr>
+            <a:picLocks noChangeAspect="1"/>
+          </p:cNvPicPr>
+          <p:nvPr/>
+        </p:nvPicPr>
+        <p:blipFill>
+          <a:blip r:embed="rId3">
+            <a:extLst>
+              <a:ext uri="{28A0092B-C50C-407E-A947-70E740481C1C}">
+                <a14:useLocalDpi xmlns:a14="http://schemas.microsoft.com/office/drawing/2010/main" val="0"/>
+              </a:ext>
+            </a:extLst>
+          </a:blip>
+          <a:stretch>
+            <a:fillRect/>
+          </a:stretch>
+        </p:blipFill>
+        <p:spPr>
+          <a:xfrm>
+            <a:off x="7237412" y="3124200"/>
+            <a:ext cx="4715082" cy="2378131"/>
+          </a:xfrm>
+          <a:prstGeom prst="rect">
+            <a:avLst/>
+          </a:prstGeom>
+        </p:spPr>
+      </p:pic>
+      <p:pic>
+        <p:nvPicPr>
+          <p:cNvPr id="8" name="Image 7" descr="fonctionSelection.png"/>
+          <p:cNvPicPr>
+            <a:picLocks noChangeAspect="1"/>
+          </p:cNvPicPr>
+          <p:nvPr/>
+        </p:nvPicPr>
+        <p:blipFill>
+          <a:blip r:embed="rId4">
+            <a:extLst>
+              <a:ext uri="{28A0092B-C50C-407E-A947-70E740481C1C}">
+                <a14:useLocalDpi xmlns:a14="http://schemas.microsoft.com/office/drawing/2010/main" val="0"/>
+              </a:ext>
+            </a:extLst>
+          </a:blip>
+          <a:stretch>
+            <a:fillRect/>
+          </a:stretch>
+        </p:blipFill>
+        <p:spPr>
+          <a:xfrm>
+            <a:off x="3122612" y="4419600"/>
+            <a:ext cx="3136900" cy="800100"/>
+          </a:xfrm>
+          <a:prstGeom prst="rect">
+            <a:avLst/>
+          </a:prstGeom>
+        </p:spPr>
+      </p:pic>
     </p:spTree>
     <p:extLst>
       <p:ext uri="{BB962C8B-B14F-4D97-AF65-F5344CB8AC3E}">
@@ -5671,6 +6054,13 @@
       </p:transition>
     </mc:Fallback>
   </mc:AlternateContent>
+  <p:timing>
+    <p:tnLst>
+      <p:par>
+        <p:cTn xmlns:p14="http://schemas.microsoft.com/office/powerpoint/2010/main" id="1" dur="indefinite" restart="never" nodeType="tmRoot"/>
+      </p:par>
+    </p:tnLst>
+  </p:timing>
 </p:sld>
 </file>
 
@@ -5765,7 +6155,7 @@
             </a:pPr>
             <a:r>
               <a:rPr lang="fr-FR" dirty="0" smtClean="0"/>
-              <a:t>Impossibilité de traiter de grande valeur en un temps acceptable</a:t>
+              <a:t>Complexité exponentielle (1 individu ajouté multiplie le temps par 2)</a:t>
             </a:r>
           </a:p>
           <a:p>
@@ -5775,19 +6165,15 @@
             </a:pPr>
             <a:r>
               <a:rPr lang="fr-FR" dirty="0" smtClean="0"/>
-              <a:t>Exemples de temps de calcul</a:t>
-            </a:r>
-          </a:p>
-          <a:p>
-            <a:pPr>
+              <a:t>Impossibilité de traiter de grandes valeurs en un temps acceptable</a:t>
+            </a:r>
+          </a:p>
+          <a:p>
+            <a:pPr lvl="1">
               <a:buFont typeface="Wingdings" charset="2"/>
               <a:buChar char="Ø"/>
             </a:pPr>
-            <a:r>
-              <a:rPr lang="fr-FR" dirty="0" smtClean="0"/>
-              <a:t>Validité des résultats</a:t>
-            </a:r>
-            <a:endParaRPr lang="fr-FR" dirty="0"/>
+            <a:endParaRPr lang="fr-FR" dirty="0" smtClean="0"/>
           </a:p>
         </p:txBody>
       </p:sp>
@@ -5887,6 +6273,66 @@
           </a:p>
         </p:txBody>
       </p:sp>
+      <p:pic>
+        <p:nvPicPr>
+          <p:cNvPr id="7" name="Image 6" descr="Capture d’écran 2014-02-03 à 13.13.46.png"/>
+          <p:cNvPicPr>
+            <a:picLocks noChangeAspect="1"/>
+          </p:cNvPicPr>
+          <p:nvPr/>
+        </p:nvPicPr>
+        <p:blipFill>
+          <a:blip r:embed="rId3">
+            <a:extLst>
+              <a:ext uri="{28A0092B-C50C-407E-A947-70E740481C1C}">
+                <a14:useLocalDpi xmlns:a14="http://schemas.microsoft.com/office/drawing/2010/main" val="0"/>
+              </a:ext>
+            </a:extLst>
+          </a:blip>
+          <a:stretch>
+            <a:fillRect/>
+          </a:stretch>
+        </p:blipFill>
+        <p:spPr>
+          <a:xfrm>
+            <a:off x="2665412" y="3733800"/>
+            <a:ext cx="1549400" cy="1854200"/>
+          </a:xfrm>
+          <a:prstGeom prst="rect">
+            <a:avLst/>
+          </a:prstGeom>
+        </p:spPr>
+      </p:pic>
+      <p:pic>
+        <p:nvPicPr>
+          <p:cNvPr id="8" name="Image 7" descr="Capture d’écran 2014-02-03 à 13.13.54.png"/>
+          <p:cNvPicPr>
+            <a:picLocks noChangeAspect="1"/>
+          </p:cNvPicPr>
+          <p:nvPr/>
+        </p:nvPicPr>
+        <p:blipFill>
+          <a:blip r:embed="rId4">
+            <a:extLst>
+              <a:ext uri="{28A0092B-C50C-407E-A947-70E740481C1C}">
+                <a14:useLocalDpi xmlns:a14="http://schemas.microsoft.com/office/drawing/2010/main" val="0"/>
+              </a:ext>
+            </a:extLst>
+          </a:blip>
+          <a:stretch>
+            <a:fillRect/>
+          </a:stretch>
+        </p:blipFill>
+        <p:spPr>
+          <a:xfrm>
+            <a:off x="6551612" y="3962400"/>
+            <a:ext cx="2159000" cy="1219200"/>
+          </a:xfrm>
+          <a:prstGeom prst="rect">
+            <a:avLst/>
+          </a:prstGeom>
+        </p:spPr>
+      </p:pic>
     </p:spTree>
     <p:extLst>
       <p:ext uri="{BB962C8B-B14F-4D97-AF65-F5344CB8AC3E}">
@@ -5909,6 +6355,13 @@
       </p:transition>
     </mc:Fallback>
   </mc:AlternateContent>
+  <p:timing>
+    <p:tnLst>
+      <p:par>
+        <p:cTn xmlns:p14="http://schemas.microsoft.com/office/powerpoint/2010/main" id="1" dur="indefinite" restart="never" nodeType="tmRoot"/>
+      </p:par>
+    </p:tnLst>
+  </p:timing>
 </p:sld>
 </file>
 
@@ -5936,60 +6389,149 @@
             <a:spLocks noGrp="1"/>
           </p:cNvSpPr>
           <p:nvPr>
-            <p:ph type="ctrTitle"/>
-          </p:nvPr>
-        </p:nvSpPr>
-        <p:spPr>
-          <a:xfrm>
-            <a:off x="1293812" y="1828800"/>
-            <a:ext cx="9753598" cy="1905000"/>
+            <p:ph type="title"/>
+          </p:nvPr>
+        </p:nvSpPr>
+        <p:spPr>
+          <a:xfrm>
+            <a:off x="379412" y="381000"/>
+            <a:ext cx="11506199" cy="838200"/>
+          </a:xfrm>
+        </p:spPr>
+        <p:txBody>
+          <a:bodyPr>
+            <a:normAutofit/>
+          </a:bodyPr>
+          <a:lstStyle/>
+          <a:p>
+            <a:r>
+              <a:rPr lang="fr-FR" dirty="0" smtClean="0"/>
+              <a:t>IV- Analyse du </a:t>
+            </a:r>
+            <a:r>
+              <a:rPr lang="fr-FR" dirty="0" err="1" smtClean="0"/>
+              <a:t>processing</a:t>
+            </a:r>
+            <a:r>
+              <a:rPr lang="fr-FR" dirty="0" smtClean="0"/>
+              <a:t> et des résultats</a:t>
+            </a:r>
+            <a:endParaRPr lang="fr-FR" dirty="0"/>
+          </a:p>
+        </p:txBody>
+      </p:sp>
+      <p:sp>
+        <p:nvSpPr>
+          <p:cNvPr id="3" name="Espace réservé du contenu 2"/>
+          <p:cNvSpPr>
+            <a:spLocks noGrp="1"/>
+          </p:cNvSpPr>
+          <p:nvPr>
+            <p:ph idx="1"/>
+          </p:nvPr>
+        </p:nvSpPr>
+        <p:spPr>
+          <a:xfrm>
+            <a:off x="1522413" y="1904999"/>
+            <a:ext cx="9296399" cy="4114801"/>
           </a:xfrm>
         </p:spPr>
         <p:txBody>
           <a:bodyPr/>
           <a:lstStyle/>
           <a:p>
-            <a:pPr algn="ctr"/>
+            <a:pPr>
+              <a:buFont typeface="Wingdings" charset="2"/>
+              <a:buChar char="Ø"/>
+            </a:pPr>
             <a:r>
               <a:rPr lang="fr-FR" dirty="0" smtClean="0"/>
-              <a:t>Merci de votre attention</a:t>
-            </a:r>
+              <a:t>Sélection </a:t>
+            </a:r>
+            <a:r>
+              <a:rPr lang="fr-FR" dirty="0" smtClean="0"/>
+              <a:t>et validité des résultats</a:t>
+            </a:r>
+          </a:p>
+          <a:p>
+            <a:pPr lvl="1">
+              <a:buFont typeface="Wingdings" charset="2"/>
+              <a:buChar char="Ø"/>
+            </a:pPr>
+            <a:r>
+              <a:rPr lang="fr-FR" dirty="0" smtClean="0"/>
+              <a:t>Le minimum du groupe </a:t>
+            </a:r>
+            <a:r>
+              <a:rPr lang="fr-FR" dirty="0" smtClean="0"/>
+              <a:t>maximum</a:t>
+            </a:r>
+          </a:p>
+          <a:p>
+            <a:pPr lvl="1">
+              <a:buFont typeface="Wingdings" charset="2"/>
+              <a:buChar char="Ø"/>
+            </a:pPr>
             <a:endParaRPr lang="fr-FR" dirty="0"/>
           </a:p>
-        </p:txBody>
-      </p:sp>
-      <p:sp>
-        <p:nvSpPr>
-          <p:cNvPr id="3" name="Sous-titre 2"/>
-          <p:cNvSpPr>
-            <a:spLocks noGrp="1"/>
-          </p:cNvSpPr>
-          <p:nvPr>
-            <p:ph type="subTitle" idx="1"/>
-          </p:nvPr>
-        </p:nvSpPr>
-        <p:spPr>
-          <a:xfrm>
-            <a:off x="2208212" y="4800600"/>
-            <a:ext cx="8229600" cy="1219200"/>
-          </a:xfrm>
-        </p:spPr>
-        <p:txBody>
-          <a:bodyPr/>
-          <a:lstStyle/>
-          <a:p>
-            <a:pPr algn="ctr"/>
+          <a:p>
+            <a:pPr lvl="1">
+              <a:buFont typeface="Wingdings" charset="2"/>
+              <a:buChar char="Ø"/>
+            </a:pPr>
+            <a:endParaRPr lang="fr-FR" dirty="0" smtClean="0"/>
+          </a:p>
+          <a:p>
+            <a:pPr lvl="1">
+              <a:buFont typeface="Wingdings" charset="2"/>
+              <a:buChar char="Ø"/>
+            </a:pPr>
+            <a:endParaRPr lang="fr-FR" dirty="0" smtClean="0"/>
+          </a:p>
+          <a:p>
+            <a:pPr lvl="1">
+              <a:buFont typeface="Wingdings" charset="2"/>
+              <a:buChar char="Ø"/>
+            </a:pPr>
             <a:r>
               <a:rPr lang="fr-FR" dirty="0" smtClean="0"/>
-              <a:t>démonstration</a:t>
-            </a:r>
-            <a:endParaRPr lang="fr-FR" dirty="0"/>
+              <a:t>Dépendant de la référence </a:t>
+            </a:r>
+            <a:r>
+              <a:rPr lang="fr-FR" dirty="0" smtClean="0"/>
+              <a:t>choisie</a:t>
+            </a:r>
+          </a:p>
+          <a:p>
+            <a:pPr lvl="2">
+              <a:buFont typeface="Wingdings" charset="2"/>
+              <a:buChar char="Ø"/>
+            </a:pPr>
+            <a:r>
+              <a:rPr lang="fr-FR" dirty="0" smtClean="0"/>
+              <a:t>Créée à partir du groupe étudié</a:t>
+            </a:r>
+          </a:p>
+          <a:p>
+            <a:pPr lvl="2">
+              <a:buFont typeface="Wingdings" charset="2"/>
+              <a:buChar char="Ø"/>
+            </a:pPr>
+            <a:r>
+              <a:rPr lang="fr-FR" dirty="0" smtClean="0"/>
+              <a:t>Créée avec la moyenne de groupes de m</a:t>
+            </a:r>
+            <a:r>
+              <a:rPr lang="fr-FR" dirty="0" smtClean="0"/>
+              <a:t>ême paramètres</a:t>
+            </a:r>
+            <a:endParaRPr lang="fr-FR" dirty="0" smtClean="0"/>
           </a:p>
         </p:txBody>
       </p:sp>
       <p:pic>
         <p:nvPicPr>
-          <p:cNvPr id="5" name="Image 4" descr="logominesnancy_transp.png"/>
+          <p:cNvPr id="4" name="Image 3" descr="logominesnancy_transp.png"/>
           <p:cNvPicPr>
             <a:picLocks noChangeAspect="1"/>
           </p:cNvPicPr>
@@ -6009,8 +6551,665 @@
         </p:blipFill>
         <p:spPr>
           <a:xfrm>
-            <a:off x="8977539" y="4953000"/>
-            <a:ext cx="3211286" cy="1905000"/>
+            <a:off x="-153988" y="5562600"/>
+            <a:ext cx="2183674" cy="1295400"/>
+          </a:xfrm>
+          <a:prstGeom prst="rect">
+            <a:avLst/>
+          </a:prstGeom>
+        </p:spPr>
+      </p:pic>
+      <p:sp>
+        <p:nvSpPr>
+          <p:cNvPr id="5" name="ZoneTexte 4"/>
+          <p:cNvSpPr txBox="1"/>
+          <p:nvPr/>
+        </p:nvSpPr>
+        <p:spPr>
+          <a:xfrm>
+            <a:off x="4037012" y="6324600"/>
+            <a:ext cx="4267200" cy="346249"/>
+          </a:xfrm>
+          <a:prstGeom prst="rect">
+            <a:avLst/>
+          </a:prstGeom>
+          <a:noFill/>
+        </p:spPr>
+        <p:txBody>
+          <a:bodyPr wrap="square" rtlCol="0">
+            <a:spAutoFit/>
+          </a:bodyPr>
+          <a:lstStyle/>
+          <a:p>
+            <a:pPr algn="ctr">
+              <a:lnSpc>
+                <a:spcPct val="90000"/>
+              </a:lnSpc>
+            </a:pPr>
+            <a:r>
+              <a:rPr lang="fr-FR" dirty="0" smtClean="0"/>
+              <a:t>Soutenance projet 3A – </a:t>
+            </a:r>
+            <a:r>
+              <a:rPr lang="fr-FR" dirty="0" err="1" smtClean="0"/>
+              <a:t>Lauwérière</a:t>
+            </a:r>
+            <a:r>
+              <a:rPr lang="fr-FR" dirty="0" smtClean="0"/>
+              <a:t> Fabrice</a:t>
+            </a:r>
+            <a:endParaRPr lang="fr-FR" dirty="0"/>
+          </a:p>
+        </p:txBody>
+      </p:sp>
+      <p:sp>
+        <p:nvSpPr>
+          <p:cNvPr id="6" name="Espace réservé du numéro de diapositive 5"/>
+          <p:cNvSpPr>
+            <a:spLocks noGrp="1"/>
+          </p:cNvSpPr>
+          <p:nvPr>
+            <p:ph type="sldNum" sz="quarter" idx="12"/>
+          </p:nvPr>
+        </p:nvSpPr>
+        <p:spPr/>
+        <p:txBody>
+          <a:bodyPr/>
+          <a:lstStyle/>
+          <a:p>
+            <a:fld id="{2A013F82-EE5E-44EE-A61D-E31C6657F26F}" type="slidenum">
+              <a:rPr lang="fr-FR" smtClean="0"/>
+              <a:t>7</a:t>
+            </a:fld>
+            <a:endParaRPr lang="fr-FR"/>
+          </a:p>
+        </p:txBody>
+      </p:sp>
+      <p:cxnSp>
+        <p:nvCxnSpPr>
+          <p:cNvPr id="10" name="Connecteur droit 9"/>
+          <p:cNvCxnSpPr/>
+          <p:nvPr/>
+        </p:nvCxnSpPr>
+        <p:spPr>
+          <a:xfrm>
+            <a:off x="7466012" y="2895600"/>
+            <a:ext cx="2057400" cy="0"/>
+          </a:xfrm>
+          <a:prstGeom prst="line">
+            <a:avLst/>
+          </a:prstGeom>
+        </p:spPr>
+        <p:style>
+          <a:lnRef idx="2">
+            <a:schemeClr val="accent1"/>
+          </a:lnRef>
+          <a:fillRef idx="0">
+            <a:schemeClr val="accent1"/>
+          </a:fillRef>
+          <a:effectRef idx="1">
+            <a:schemeClr val="accent1"/>
+          </a:effectRef>
+          <a:fontRef idx="minor">
+            <a:schemeClr val="tx1"/>
+          </a:fontRef>
+        </p:style>
+      </p:cxnSp>
+      <p:cxnSp>
+        <p:nvCxnSpPr>
+          <p:cNvPr id="12" name="Connecteur droit 11"/>
+          <p:cNvCxnSpPr/>
+          <p:nvPr/>
+        </p:nvCxnSpPr>
+        <p:spPr>
+          <a:xfrm>
+            <a:off x="8304212" y="1828800"/>
+            <a:ext cx="304800" cy="0"/>
+          </a:xfrm>
+          <a:prstGeom prst="line">
+            <a:avLst/>
+          </a:prstGeom>
+        </p:spPr>
+        <p:style>
+          <a:lnRef idx="2">
+            <a:schemeClr val="accent1"/>
+          </a:lnRef>
+          <a:fillRef idx="0">
+            <a:schemeClr val="accent1"/>
+          </a:fillRef>
+          <a:effectRef idx="1">
+            <a:schemeClr val="accent1"/>
+          </a:effectRef>
+          <a:fontRef idx="minor">
+            <a:schemeClr val="tx1"/>
+          </a:fontRef>
+        </p:style>
+      </p:cxnSp>
+      <p:cxnSp>
+        <p:nvCxnSpPr>
+          <p:cNvPr id="13" name="Connecteur droit 12"/>
+          <p:cNvCxnSpPr/>
+          <p:nvPr/>
+        </p:nvCxnSpPr>
+        <p:spPr>
+          <a:xfrm>
+            <a:off x="8304212" y="1981200"/>
+            <a:ext cx="304800" cy="0"/>
+          </a:xfrm>
+          <a:prstGeom prst="line">
+            <a:avLst/>
+          </a:prstGeom>
+        </p:spPr>
+        <p:style>
+          <a:lnRef idx="2">
+            <a:schemeClr val="accent1"/>
+          </a:lnRef>
+          <a:fillRef idx="0">
+            <a:schemeClr val="accent1"/>
+          </a:fillRef>
+          <a:effectRef idx="1">
+            <a:schemeClr val="accent1"/>
+          </a:effectRef>
+          <a:fontRef idx="minor">
+            <a:schemeClr val="tx1"/>
+          </a:fontRef>
+        </p:style>
+      </p:cxnSp>
+      <p:cxnSp>
+        <p:nvCxnSpPr>
+          <p:cNvPr id="14" name="Connecteur droit 13"/>
+          <p:cNvCxnSpPr/>
+          <p:nvPr/>
+        </p:nvCxnSpPr>
+        <p:spPr>
+          <a:xfrm>
+            <a:off x="8304212" y="1752600"/>
+            <a:ext cx="304800" cy="0"/>
+          </a:xfrm>
+          <a:prstGeom prst="line">
+            <a:avLst/>
+          </a:prstGeom>
+        </p:spPr>
+        <p:style>
+          <a:lnRef idx="2">
+            <a:schemeClr val="accent1"/>
+          </a:lnRef>
+          <a:fillRef idx="0">
+            <a:schemeClr val="accent1"/>
+          </a:fillRef>
+          <a:effectRef idx="1">
+            <a:schemeClr val="accent1"/>
+          </a:effectRef>
+          <a:fontRef idx="minor">
+            <a:schemeClr val="tx1"/>
+          </a:fontRef>
+        </p:style>
+      </p:cxnSp>
+      <p:cxnSp>
+        <p:nvCxnSpPr>
+          <p:cNvPr id="15" name="Connecteur droit 14"/>
+          <p:cNvCxnSpPr/>
+          <p:nvPr/>
+        </p:nvCxnSpPr>
+        <p:spPr>
+          <a:xfrm>
+            <a:off x="8304212" y="1905000"/>
+            <a:ext cx="304800" cy="0"/>
+          </a:xfrm>
+          <a:prstGeom prst="line">
+            <a:avLst/>
+          </a:prstGeom>
+        </p:spPr>
+        <p:style>
+          <a:lnRef idx="2">
+            <a:schemeClr val="accent1"/>
+          </a:lnRef>
+          <a:fillRef idx="0">
+            <a:schemeClr val="accent1"/>
+          </a:fillRef>
+          <a:effectRef idx="1">
+            <a:schemeClr val="accent1"/>
+          </a:effectRef>
+          <a:fontRef idx="minor">
+            <a:schemeClr val="tx1"/>
+          </a:fontRef>
+        </p:style>
+      </p:cxnSp>
+      <p:cxnSp>
+        <p:nvCxnSpPr>
+          <p:cNvPr id="16" name="Connecteur droit 15"/>
+          <p:cNvCxnSpPr/>
+          <p:nvPr/>
+        </p:nvCxnSpPr>
+        <p:spPr>
+          <a:xfrm>
+            <a:off x="8304212" y="2209800"/>
+            <a:ext cx="304800" cy="0"/>
+          </a:xfrm>
+          <a:prstGeom prst="line">
+            <a:avLst/>
+          </a:prstGeom>
+        </p:spPr>
+        <p:style>
+          <a:lnRef idx="2">
+            <a:schemeClr val="accent1"/>
+          </a:lnRef>
+          <a:fillRef idx="0">
+            <a:schemeClr val="accent1"/>
+          </a:fillRef>
+          <a:effectRef idx="1">
+            <a:schemeClr val="accent1"/>
+          </a:effectRef>
+          <a:fontRef idx="minor">
+            <a:schemeClr val="tx1"/>
+          </a:fontRef>
+        </p:style>
+      </p:cxnSp>
+      <p:cxnSp>
+        <p:nvCxnSpPr>
+          <p:cNvPr id="17" name="Connecteur droit 16"/>
+          <p:cNvCxnSpPr/>
+          <p:nvPr/>
+        </p:nvCxnSpPr>
+        <p:spPr>
+          <a:xfrm>
+            <a:off x="8304212" y="2286000"/>
+            <a:ext cx="304800" cy="0"/>
+          </a:xfrm>
+          <a:prstGeom prst="line">
+            <a:avLst/>
+          </a:prstGeom>
+        </p:spPr>
+        <p:style>
+          <a:lnRef idx="2">
+            <a:schemeClr val="accent1"/>
+          </a:lnRef>
+          <a:fillRef idx="0">
+            <a:schemeClr val="accent1"/>
+          </a:fillRef>
+          <a:effectRef idx="1">
+            <a:schemeClr val="accent1"/>
+          </a:effectRef>
+          <a:fontRef idx="minor">
+            <a:schemeClr val="tx1"/>
+          </a:fontRef>
+        </p:style>
+      </p:cxnSp>
+      <p:cxnSp>
+        <p:nvCxnSpPr>
+          <p:cNvPr id="18" name="Connecteur droit 17"/>
+          <p:cNvCxnSpPr/>
+          <p:nvPr/>
+        </p:nvCxnSpPr>
+        <p:spPr>
+          <a:xfrm>
+            <a:off x="8304212" y="2362200"/>
+            <a:ext cx="304800" cy="0"/>
+          </a:xfrm>
+          <a:prstGeom prst="line">
+            <a:avLst/>
+          </a:prstGeom>
+        </p:spPr>
+        <p:style>
+          <a:lnRef idx="2">
+            <a:schemeClr val="accent1"/>
+          </a:lnRef>
+          <a:fillRef idx="0">
+            <a:schemeClr val="accent1"/>
+          </a:fillRef>
+          <a:effectRef idx="1">
+            <a:schemeClr val="accent1"/>
+          </a:effectRef>
+          <a:fontRef idx="minor">
+            <a:schemeClr val="tx1"/>
+          </a:fontRef>
+        </p:style>
+      </p:cxnSp>
+      <p:cxnSp>
+        <p:nvCxnSpPr>
+          <p:cNvPr id="19" name="Connecteur droit 18"/>
+          <p:cNvCxnSpPr/>
+          <p:nvPr/>
+        </p:nvCxnSpPr>
+        <p:spPr>
+          <a:xfrm>
+            <a:off x="8304212" y="2438400"/>
+            <a:ext cx="304800" cy="0"/>
+          </a:xfrm>
+          <a:prstGeom prst="line">
+            <a:avLst/>
+          </a:prstGeom>
+        </p:spPr>
+        <p:style>
+          <a:lnRef idx="2">
+            <a:schemeClr val="accent1"/>
+          </a:lnRef>
+          <a:fillRef idx="0">
+            <a:schemeClr val="accent1"/>
+          </a:fillRef>
+          <a:effectRef idx="1">
+            <a:schemeClr val="accent1"/>
+          </a:effectRef>
+          <a:fontRef idx="minor">
+            <a:schemeClr val="tx1"/>
+          </a:fontRef>
+        </p:style>
+      </p:cxnSp>
+      <p:cxnSp>
+        <p:nvCxnSpPr>
+          <p:cNvPr id="20" name="Connecteur droit 19"/>
+          <p:cNvCxnSpPr/>
+          <p:nvPr/>
+        </p:nvCxnSpPr>
+        <p:spPr>
+          <a:xfrm>
+            <a:off x="8304212" y="2667000"/>
+            <a:ext cx="304800" cy="0"/>
+          </a:xfrm>
+          <a:prstGeom prst="line">
+            <a:avLst/>
+          </a:prstGeom>
+        </p:spPr>
+        <p:style>
+          <a:lnRef idx="2">
+            <a:schemeClr val="accent1"/>
+          </a:lnRef>
+          <a:fillRef idx="0">
+            <a:schemeClr val="accent1"/>
+          </a:fillRef>
+          <a:effectRef idx="1">
+            <a:schemeClr val="accent1"/>
+          </a:effectRef>
+          <a:fontRef idx="minor">
+            <a:schemeClr val="tx1"/>
+          </a:fontRef>
+        </p:style>
+      </p:cxnSp>
+      <p:cxnSp>
+        <p:nvCxnSpPr>
+          <p:cNvPr id="21" name="Connecteur droit 20"/>
+          <p:cNvCxnSpPr/>
+          <p:nvPr/>
+        </p:nvCxnSpPr>
+        <p:spPr>
+          <a:xfrm>
+            <a:off x="8304212" y="2743200"/>
+            <a:ext cx="304800" cy="0"/>
+          </a:xfrm>
+          <a:prstGeom prst="line">
+            <a:avLst/>
+          </a:prstGeom>
+        </p:spPr>
+        <p:style>
+          <a:lnRef idx="2">
+            <a:schemeClr val="accent1"/>
+          </a:lnRef>
+          <a:fillRef idx="0">
+            <a:schemeClr val="accent1"/>
+          </a:fillRef>
+          <a:effectRef idx="1">
+            <a:schemeClr val="accent1"/>
+          </a:effectRef>
+          <a:fontRef idx="minor">
+            <a:schemeClr val="tx1"/>
+          </a:fontRef>
+        </p:style>
+      </p:cxnSp>
+      <p:cxnSp>
+        <p:nvCxnSpPr>
+          <p:cNvPr id="22" name="Connecteur droit 21"/>
+          <p:cNvCxnSpPr/>
+          <p:nvPr/>
+        </p:nvCxnSpPr>
+        <p:spPr>
+          <a:xfrm>
+            <a:off x="8304212" y="2819400"/>
+            <a:ext cx="304800" cy="0"/>
+          </a:xfrm>
+          <a:prstGeom prst="line">
+            <a:avLst/>
+          </a:prstGeom>
+        </p:spPr>
+        <p:style>
+          <a:lnRef idx="2">
+            <a:schemeClr val="accent1"/>
+          </a:lnRef>
+          <a:fillRef idx="0">
+            <a:schemeClr val="accent1"/>
+          </a:fillRef>
+          <a:effectRef idx="1">
+            <a:schemeClr val="accent1"/>
+          </a:effectRef>
+          <a:fontRef idx="minor">
+            <a:schemeClr val="tx1"/>
+          </a:fontRef>
+        </p:style>
+      </p:cxnSp>
+      <p:cxnSp>
+        <p:nvCxnSpPr>
+          <p:cNvPr id="23" name="Connecteur droit 22"/>
+          <p:cNvCxnSpPr/>
+          <p:nvPr/>
+        </p:nvCxnSpPr>
+        <p:spPr>
+          <a:xfrm>
+            <a:off x="8304212" y="3200400"/>
+            <a:ext cx="304800" cy="0"/>
+          </a:xfrm>
+          <a:prstGeom prst="line">
+            <a:avLst/>
+          </a:prstGeom>
+        </p:spPr>
+        <p:style>
+          <a:lnRef idx="2">
+            <a:schemeClr val="accent1"/>
+          </a:lnRef>
+          <a:fillRef idx="0">
+            <a:schemeClr val="accent1"/>
+          </a:fillRef>
+          <a:effectRef idx="1">
+            <a:schemeClr val="accent1"/>
+          </a:effectRef>
+          <a:fontRef idx="minor">
+            <a:schemeClr val="tx1"/>
+          </a:fontRef>
+        </p:style>
+      </p:cxnSp>
+      <p:cxnSp>
+        <p:nvCxnSpPr>
+          <p:cNvPr id="24" name="Connecteur droit 23"/>
+          <p:cNvCxnSpPr/>
+          <p:nvPr/>
+        </p:nvCxnSpPr>
+        <p:spPr>
+          <a:xfrm>
+            <a:off x="8304212" y="3124200"/>
+            <a:ext cx="304800" cy="0"/>
+          </a:xfrm>
+          <a:prstGeom prst="line">
+            <a:avLst/>
+          </a:prstGeom>
+        </p:spPr>
+        <p:style>
+          <a:lnRef idx="2">
+            <a:schemeClr val="accent1"/>
+          </a:lnRef>
+          <a:fillRef idx="0">
+            <a:schemeClr val="accent1"/>
+          </a:fillRef>
+          <a:effectRef idx="1">
+            <a:schemeClr val="accent1"/>
+          </a:effectRef>
+          <a:fontRef idx="minor">
+            <a:schemeClr val="tx1"/>
+          </a:fontRef>
+        </p:style>
+      </p:cxnSp>
+      <p:cxnSp>
+        <p:nvCxnSpPr>
+          <p:cNvPr id="25" name="Connecteur droit 24"/>
+          <p:cNvCxnSpPr/>
+          <p:nvPr/>
+        </p:nvCxnSpPr>
+        <p:spPr>
+          <a:xfrm>
+            <a:off x="8304212" y="3276600"/>
+            <a:ext cx="304800" cy="0"/>
+          </a:xfrm>
+          <a:prstGeom prst="line">
+            <a:avLst/>
+          </a:prstGeom>
+        </p:spPr>
+        <p:style>
+          <a:lnRef idx="2">
+            <a:schemeClr val="accent1"/>
+          </a:lnRef>
+          <a:fillRef idx="0">
+            <a:schemeClr val="accent1"/>
+          </a:fillRef>
+          <a:effectRef idx="1">
+            <a:schemeClr val="accent1"/>
+          </a:effectRef>
+          <a:fontRef idx="minor">
+            <a:schemeClr val="tx1"/>
+          </a:fontRef>
+        </p:style>
+      </p:cxnSp>
+      <p:sp>
+        <p:nvSpPr>
+          <p:cNvPr id="26" name="Flèche vers la droite 25"/>
+          <p:cNvSpPr/>
+          <p:nvPr/>
+        </p:nvSpPr>
+        <p:spPr>
+          <a:xfrm>
+            <a:off x="7923212" y="1905000"/>
+            <a:ext cx="304800" cy="228600"/>
+          </a:xfrm>
+          <a:prstGeom prst="rightArrow">
+            <a:avLst/>
+          </a:prstGeom>
+          <a:solidFill>
+            <a:schemeClr val="accent5"/>
+          </a:solidFill>
+        </p:spPr>
+        <p:style>
+          <a:lnRef idx="1">
+            <a:schemeClr val="accent1"/>
+          </a:lnRef>
+          <a:fillRef idx="3">
+            <a:schemeClr val="accent1"/>
+          </a:fillRef>
+          <a:effectRef idx="2">
+            <a:schemeClr val="accent1"/>
+          </a:effectRef>
+          <a:fontRef idx="minor">
+            <a:schemeClr val="lt1"/>
+          </a:fontRef>
+        </p:style>
+        <p:txBody>
+          <a:bodyPr rtlCol="0" anchor="ctr"/>
+          <a:lstStyle/>
+          <a:p>
+            <a:pPr algn="ctr"/>
+            <a:endParaRPr lang="fr-FR"/>
+          </a:p>
+        </p:txBody>
+      </p:sp>
+      <p:cxnSp>
+        <p:nvCxnSpPr>
+          <p:cNvPr id="29" name="Connecteur droit 28"/>
+          <p:cNvCxnSpPr/>
+          <p:nvPr/>
+        </p:nvCxnSpPr>
+        <p:spPr>
+          <a:xfrm>
+            <a:off x="8075612" y="3048000"/>
+            <a:ext cx="685800" cy="381000"/>
+          </a:xfrm>
+          <a:prstGeom prst="line">
+            <a:avLst/>
+          </a:prstGeom>
+          <a:ln>
+            <a:solidFill>
+              <a:srgbClr val="F86E24"/>
+            </a:solidFill>
+          </a:ln>
+        </p:spPr>
+        <p:style>
+          <a:lnRef idx="2">
+            <a:schemeClr val="accent1"/>
+          </a:lnRef>
+          <a:fillRef idx="0">
+            <a:schemeClr val="accent1"/>
+          </a:fillRef>
+          <a:effectRef idx="1">
+            <a:schemeClr val="accent1"/>
+          </a:effectRef>
+          <a:fontRef idx="minor">
+            <a:schemeClr val="tx1"/>
+          </a:fontRef>
+        </p:style>
+      </p:cxnSp>
+      <p:cxnSp>
+        <p:nvCxnSpPr>
+          <p:cNvPr id="31" name="Connecteur droit 30"/>
+          <p:cNvCxnSpPr/>
+          <p:nvPr/>
+        </p:nvCxnSpPr>
+        <p:spPr>
+          <a:xfrm flipV="1">
+            <a:off x="8075612" y="3048000"/>
+            <a:ext cx="685800" cy="381000"/>
+          </a:xfrm>
+          <a:prstGeom prst="line">
+            <a:avLst/>
+          </a:prstGeom>
+          <a:ln>
+            <a:solidFill>
+              <a:srgbClr val="F86E24"/>
+            </a:solidFill>
+          </a:ln>
+        </p:spPr>
+        <p:style>
+          <a:lnRef idx="2">
+            <a:schemeClr val="accent1"/>
+          </a:lnRef>
+          <a:fillRef idx="0">
+            <a:schemeClr val="accent1"/>
+          </a:fillRef>
+          <a:effectRef idx="1">
+            <a:schemeClr val="accent1"/>
+          </a:effectRef>
+          <a:fontRef idx="minor">
+            <a:schemeClr val="tx1"/>
+          </a:fontRef>
+        </p:style>
+      </p:cxnSp>
+      <p:pic>
+        <p:nvPicPr>
+          <p:cNvPr id="27" name="Image 26" descr="fonctionSelection.png"/>
+          <p:cNvPicPr>
+            <a:picLocks noChangeAspect="1"/>
+          </p:cNvPicPr>
+          <p:nvPr/>
+        </p:nvPicPr>
+        <p:blipFill>
+          <a:blip r:embed="rId3">
+            <a:extLst>
+              <a:ext uri="{28A0092B-C50C-407E-A947-70E740481C1C}">
+                <a14:useLocalDpi xmlns:a14="http://schemas.microsoft.com/office/drawing/2010/main" val="0"/>
+              </a:ext>
+            </a:extLst>
+          </a:blip>
+          <a:stretch>
+            <a:fillRect/>
+          </a:stretch>
+        </p:blipFill>
+        <p:spPr>
+          <a:xfrm>
+            <a:off x="3122612" y="3048000"/>
+            <a:ext cx="3136900" cy="800100"/>
           </a:xfrm>
           <a:prstGeom prst="rect">
             <a:avLst/>
@@ -6020,7 +7219,7 @@
     </p:spTree>
     <p:extLst>
       <p:ext uri="{BB962C8B-B14F-4D97-AF65-F5344CB8AC3E}">
-        <p14:creationId xmlns:p14="http://schemas.microsoft.com/office/powerpoint/2010/main" val="1783247899"/>
+        <p14:creationId xmlns:p14="http://schemas.microsoft.com/office/powerpoint/2010/main" val="3725598303"/>
       </p:ext>
     </p:extLst>
   </p:cSld>
@@ -6039,6 +7238,298 @@
       </p:transition>
     </mc:Fallback>
   </mc:AlternateContent>
+  <p:timing>
+    <p:tnLst>
+      <p:par>
+        <p:cTn xmlns:p14="http://schemas.microsoft.com/office/powerpoint/2010/main" id="1" dur="indefinite" restart="never" nodeType="tmRoot"/>
+      </p:par>
+    </p:tnLst>
+  </p:timing>
+</p:sld>
+</file>
+
+<file path=ppt/slides/slide9.xml><?xml version="1.0" encoding="utf-8"?>
+<p:sld xmlns:a="http://schemas.openxmlformats.org/drawingml/2006/main" xmlns:r="http://schemas.openxmlformats.org/officeDocument/2006/relationships" xmlns:p="http://schemas.openxmlformats.org/presentationml/2006/main">
+  <p:cSld>
+    <p:spTree>
+      <p:nvGrpSpPr>
+        <p:cNvPr id="1" name=""/>
+        <p:cNvGrpSpPr/>
+        <p:nvPr/>
+      </p:nvGrpSpPr>
+      <p:grpSpPr>
+        <a:xfrm>
+          <a:off x="0" y="0"/>
+          <a:ext cx="0" cy="0"/>
+          <a:chOff x="0" y="0"/>
+          <a:chExt cx="0" cy="0"/>
+        </a:xfrm>
+      </p:grpSpPr>
+      <p:sp>
+        <p:nvSpPr>
+          <p:cNvPr id="2" name="Titre 1"/>
+          <p:cNvSpPr>
+            <a:spLocks noGrp="1"/>
+          </p:cNvSpPr>
+          <p:nvPr>
+            <p:ph type="title"/>
+          </p:nvPr>
+        </p:nvSpPr>
+        <p:spPr>
+          <a:xfrm>
+            <a:off x="379412" y="381000"/>
+            <a:ext cx="11506199" cy="838200"/>
+          </a:xfrm>
+        </p:spPr>
+        <p:txBody>
+          <a:bodyPr>
+            <a:normAutofit/>
+          </a:bodyPr>
+          <a:lstStyle/>
+          <a:p>
+            <a:r>
+              <a:rPr lang="fr-FR" dirty="0" smtClean="0"/>
+              <a:t>V- À l’avenir, pistes d’améliorations</a:t>
+            </a:r>
+            <a:endParaRPr lang="fr-FR" dirty="0"/>
+          </a:p>
+        </p:txBody>
+      </p:sp>
+      <p:sp>
+        <p:nvSpPr>
+          <p:cNvPr id="3" name="Espace réservé du contenu 2"/>
+          <p:cNvSpPr>
+            <a:spLocks noGrp="1"/>
+          </p:cNvSpPr>
+          <p:nvPr>
+            <p:ph idx="1"/>
+          </p:nvPr>
+        </p:nvSpPr>
+        <p:spPr>
+          <a:xfrm>
+            <a:off x="1522413" y="1904999"/>
+            <a:ext cx="9296399" cy="4114801"/>
+          </a:xfrm>
+        </p:spPr>
+        <p:txBody>
+          <a:bodyPr/>
+          <a:lstStyle/>
+          <a:p>
+            <a:pPr>
+              <a:buFont typeface="Wingdings" charset="2"/>
+              <a:buChar char="Ø"/>
+            </a:pPr>
+            <a:r>
+              <a:rPr lang="fr-FR" dirty="0" smtClean="0"/>
+              <a:t>Problème principal : le temps de calcul</a:t>
+            </a:r>
+          </a:p>
+          <a:p>
+            <a:pPr lvl="1">
+              <a:buFont typeface="Wingdings" charset="2"/>
+              <a:buChar char="Ø"/>
+            </a:pPr>
+            <a:r>
+              <a:rPr lang="fr-FR" dirty="0" err="1" smtClean="0"/>
+              <a:t>Parallélisation</a:t>
+            </a:r>
+            <a:r>
+              <a:rPr lang="fr-FR" dirty="0" smtClean="0"/>
+              <a:t> </a:t>
+            </a:r>
+            <a:r>
+              <a:rPr lang="fr-FR" dirty="0" smtClean="0">
+                <a:sym typeface="Wingdings"/>
+              </a:rPr>
+              <a:t> pour la génération des branches d’historique</a:t>
+            </a:r>
+            <a:endParaRPr lang="fr-FR" dirty="0">
+              <a:sym typeface="Wingdings"/>
+            </a:endParaRPr>
+          </a:p>
+          <a:p>
+            <a:pPr marL="231775" lvl="1" indent="0">
+              <a:buNone/>
+            </a:pPr>
+            <a:r>
+              <a:rPr lang="fr-FR" dirty="0" smtClean="0">
+                <a:sym typeface="Wingdings"/>
+              </a:rPr>
+              <a:t>		    pour le test des combinaisons (division en 2 jusqu’à un seuil</a:t>
+            </a:r>
+            <a:r>
+              <a:rPr lang="fr-FR" dirty="0" smtClean="0">
+                <a:sym typeface="Wingdings"/>
+              </a:rPr>
+              <a:t>)</a:t>
+            </a:r>
+          </a:p>
+          <a:p>
+            <a:pPr lvl="1">
+              <a:buFont typeface="Wingdings" charset="2"/>
+              <a:buChar char="Ø"/>
+            </a:pPr>
+            <a:r>
+              <a:rPr lang="fr-FR" dirty="0" smtClean="0">
+                <a:sym typeface="Wingdings"/>
+              </a:rPr>
+              <a:t>Une meilleure catégorisation (plus pertinente) des sites (410 pour l’instant)</a:t>
+            </a:r>
+            <a:endParaRPr lang="fr-FR" dirty="0" smtClean="0">
+              <a:sym typeface="Wingdings"/>
+            </a:endParaRPr>
+          </a:p>
+          <a:p>
+            <a:pPr>
+              <a:buFont typeface="Wingdings" charset="2"/>
+              <a:buChar char="Ø"/>
+            </a:pPr>
+            <a:r>
+              <a:rPr lang="fr-FR" dirty="0" smtClean="0">
+                <a:sym typeface="Wingdings"/>
+              </a:rPr>
+              <a:t>Interface graphique pour une saisie plus aisée des paramètres et pour une meilleure interprétation des résultats</a:t>
+            </a:r>
+          </a:p>
+          <a:p>
+            <a:pPr>
+              <a:buFont typeface="Wingdings" charset="2"/>
+              <a:buChar char="Ø"/>
+            </a:pPr>
+            <a:r>
+              <a:rPr lang="fr-FR" dirty="0" smtClean="0">
+                <a:sym typeface="Wingdings"/>
+              </a:rPr>
+              <a:t>Comparaison sociologique (atypique dans un pays et pas un autre)</a:t>
+            </a:r>
+          </a:p>
+        </p:txBody>
+      </p:sp>
+      <p:pic>
+        <p:nvPicPr>
+          <p:cNvPr id="4" name="Image 3" descr="logominesnancy_transp.png"/>
+          <p:cNvPicPr>
+            <a:picLocks noChangeAspect="1"/>
+          </p:cNvPicPr>
+          <p:nvPr/>
+        </p:nvPicPr>
+        <p:blipFill>
+          <a:blip r:embed="rId2">
+            <a:extLst>
+              <a:ext uri="{28A0092B-C50C-407E-A947-70E740481C1C}">
+                <a14:useLocalDpi xmlns:a14="http://schemas.microsoft.com/office/drawing/2010/main" val="0"/>
+              </a:ext>
+            </a:extLst>
+          </a:blip>
+          <a:stretch>
+            <a:fillRect/>
+          </a:stretch>
+        </p:blipFill>
+        <p:spPr>
+          <a:xfrm>
+            <a:off x="-153988" y="5562600"/>
+            <a:ext cx="2183674" cy="1295400"/>
+          </a:xfrm>
+          <a:prstGeom prst="rect">
+            <a:avLst/>
+          </a:prstGeom>
+        </p:spPr>
+      </p:pic>
+      <p:sp>
+        <p:nvSpPr>
+          <p:cNvPr id="5" name="ZoneTexte 4"/>
+          <p:cNvSpPr txBox="1"/>
+          <p:nvPr/>
+        </p:nvSpPr>
+        <p:spPr>
+          <a:xfrm>
+            <a:off x="4037012" y="6324600"/>
+            <a:ext cx="4267200" cy="346249"/>
+          </a:xfrm>
+          <a:prstGeom prst="rect">
+            <a:avLst/>
+          </a:prstGeom>
+          <a:noFill/>
+        </p:spPr>
+        <p:txBody>
+          <a:bodyPr wrap="square" rtlCol="0">
+            <a:spAutoFit/>
+          </a:bodyPr>
+          <a:lstStyle/>
+          <a:p>
+            <a:pPr algn="ctr">
+              <a:lnSpc>
+                <a:spcPct val="90000"/>
+              </a:lnSpc>
+            </a:pPr>
+            <a:r>
+              <a:rPr lang="fr-FR" dirty="0" smtClean="0"/>
+              <a:t>Soutenance projet 3A – </a:t>
+            </a:r>
+            <a:r>
+              <a:rPr lang="fr-FR" dirty="0" err="1" smtClean="0"/>
+              <a:t>Lauwérière</a:t>
+            </a:r>
+            <a:r>
+              <a:rPr lang="fr-FR" dirty="0" smtClean="0"/>
+              <a:t> Fabrice</a:t>
+            </a:r>
+            <a:endParaRPr lang="fr-FR" dirty="0"/>
+          </a:p>
+        </p:txBody>
+      </p:sp>
+      <p:sp>
+        <p:nvSpPr>
+          <p:cNvPr id="6" name="Espace réservé du numéro de diapositive 5"/>
+          <p:cNvSpPr>
+            <a:spLocks noGrp="1"/>
+          </p:cNvSpPr>
+          <p:nvPr>
+            <p:ph type="sldNum" sz="quarter" idx="12"/>
+          </p:nvPr>
+        </p:nvSpPr>
+        <p:spPr/>
+        <p:txBody>
+          <a:bodyPr/>
+          <a:lstStyle/>
+          <a:p>
+            <a:fld id="{2A013F82-EE5E-44EE-A61D-E31C6657F26F}" type="slidenum">
+              <a:rPr lang="fr-FR" smtClean="0"/>
+              <a:t>8</a:t>
+            </a:fld>
+            <a:endParaRPr lang="fr-FR"/>
+          </a:p>
+        </p:txBody>
+      </p:sp>
+    </p:spTree>
+    <p:extLst>
+      <p:ext uri="{BB962C8B-B14F-4D97-AF65-F5344CB8AC3E}">
+        <p14:creationId xmlns:p14="http://schemas.microsoft.com/office/powerpoint/2010/main" val="704583202"/>
+      </p:ext>
+    </p:extLst>
+  </p:cSld>
+  <p:clrMapOvr>
+    <a:masterClrMapping/>
+  </p:clrMapOvr>
+  <mc:AlternateContent xmlns:mc="http://schemas.openxmlformats.org/markup-compatibility/2006" xmlns:p14="http://schemas.microsoft.com/office/powerpoint/2010/main">
+    <mc:Choice Requires="p14">
+      <p:transition spd="med" p14:dur="700">
+        <p:fade/>
+      </p:transition>
+    </mc:Choice>
+    <mc:Fallback xmlns="">
+      <p:transition spd="med">
+        <p:fade/>
+      </p:transition>
+    </mc:Fallback>
+  </mc:AlternateContent>
+  <p:timing>
+    <p:tnLst>
+      <p:par>
+        <p:cTn xmlns:p14="http://schemas.microsoft.com/office/powerpoint/2010/main" id="1" dur="indefinite" restart="never" nodeType="tmRoot"/>
+      </p:par>
+    </p:tnLst>
+  </p:timing>
 </p:sld>
 </file>
 

--- a/Documents/soutenance/soutenanceProjet3A.pptx
+++ b/Documents/soutenance/soutenanceProjet3A.pptx
@@ -6165,8 +6165,25 @@
             </a:pPr>
             <a:r>
               <a:rPr lang="fr-FR" dirty="0" smtClean="0"/>
-              <a:t>Impossibilité de traiter de grandes valeurs en un temps acceptable</a:t>
-            </a:r>
+              <a:t>Impossibilité de traiter de grandes valeurs en un temps </a:t>
+            </a:r>
+            <a:r>
+              <a:rPr lang="fr-FR" dirty="0" smtClean="0"/>
+              <a:t>acceptable</a:t>
+            </a:r>
+          </a:p>
+          <a:p>
+            <a:pPr lvl="1">
+              <a:buFont typeface="Wingdings" charset="2"/>
+              <a:buChar char="Ø"/>
+            </a:pPr>
+            <a:endParaRPr lang="fr-FR" dirty="0"/>
+          </a:p>
+          <a:p>
+            <a:pPr marL="231775" lvl="1" indent="0">
+              <a:buNone/>
+            </a:pPr>
+            <a:endParaRPr lang="fr-FR" dirty="0" smtClean="0"/>
           </a:p>
           <a:p>
             <a:pPr lvl="1">
@@ -6295,7 +6312,7 @@
         </p:blipFill>
         <p:spPr>
           <a:xfrm>
-            <a:off x="2665412" y="3733800"/>
+            <a:off x="2665412" y="3657600"/>
             <a:ext cx="1549400" cy="1854200"/>
           </a:xfrm>
           <a:prstGeom prst="rect">
@@ -6325,7 +6342,7 @@
         </p:blipFill>
         <p:spPr>
           <a:xfrm>
-            <a:off x="6551612" y="3962400"/>
+            <a:off x="5713412" y="3810000"/>
             <a:ext cx="2159000" cy="1219200"/>
           </a:xfrm>
           <a:prstGeom prst="rect">
@@ -7374,6 +7391,24 @@
                 <a:sym typeface="Wingdings"/>
               </a:rPr>
               <a:t>Une meilleure catégorisation (plus pertinente) des sites (410 pour l’instant)</a:t>
+            </a:r>
+          </a:p>
+          <a:p>
+            <a:pPr>
+              <a:buFont typeface="Wingdings" charset="2"/>
+              <a:buChar char="Ø"/>
+            </a:pPr>
+            <a:r>
+              <a:rPr lang="fr-FR" dirty="0" smtClean="0">
+                <a:sym typeface="Wingdings"/>
+              </a:rPr>
+              <a:t>Une meilleure notation des occurrences (piste étudié mais laissée de c</a:t>
+            </a:r>
+            <a:r>
+              <a:rPr lang="fr-FR" dirty="0" smtClean="0">
+                <a:sym typeface="Wingdings"/>
+              </a:rPr>
+              <a:t>ôté)</a:t>
             </a:r>
             <a:endParaRPr lang="fr-FR" dirty="0" smtClean="0">
               <a:sym typeface="Wingdings"/>
